--- a/ECE143 presentation.pptx
+++ b/ECE143 presentation.pptx
@@ -8,18 +8,24 @@
     <p:sldMasterId id="2147483761" r:id="rId4"/>
   </p:sldMasterIdLst>
   <p:notesMasterIdLst>
-    <p:notesMasterId r:id="rId14"/>
+    <p:notesMasterId r:id="rId20"/>
   </p:notesMasterIdLst>
   <p:sldIdLst>
     <p:sldId id="256" r:id="rId5"/>
     <p:sldId id="263" r:id="rId6"/>
     <p:sldId id="257" r:id="rId7"/>
     <p:sldId id="258" r:id="rId8"/>
-    <p:sldId id="261" r:id="rId9"/>
-    <p:sldId id="259" r:id="rId10"/>
-    <p:sldId id="260" r:id="rId11"/>
-    <p:sldId id="264" r:id="rId12"/>
-    <p:sldId id="262" r:id="rId13"/>
+    <p:sldId id="266" r:id="rId9"/>
+    <p:sldId id="260" r:id="rId10"/>
+    <p:sldId id="271" r:id="rId11"/>
+    <p:sldId id="270" r:id="rId12"/>
+    <p:sldId id="269" r:id="rId13"/>
+    <p:sldId id="272" r:id="rId14"/>
+    <p:sldId id="259" r:id="rId15"/>
+    <p:sldId id="274" r:id="rId16"/>
+    <p:sldId id="267" r:id="rId17"/>
+    <p:sldId id="268" r:id="rId18"/>
+    <p:sldId id="262" r:id="rId19"/>
   </p:sldIdLst>
   <p:sldSz cx="12192000" cy="6858000"/>
   <p:notesSz cx="6858000" cy="9144000"/>
@@ -208,7 +214,7 @@
           <a:p>
             <a:fld id="{B4EB012B-A1CC-4E7A-AAEF-C170106A22EC}" type="datetimeFigureOut">
               <a:rPr lang="zh-TW" altLang="en-US" smtClean="0"/>
-              <a:t>2018/12/6</a:t>
+              <a:t>2018/12/7</a:t>
             </a:fld>
             <a:endParaRPr lang="zh-TW" altLang="en-US"/>
           </a:p>
@@ -617,7 +623,7 @@
           <a:p>
             <a:fld id="{EF72288D-283A-479B-A429-CA60046DBE24}" type="datetime1">
               <a:rPr lang="zh-TW" altLang="en-US" smtClean="0"/>
-              <a:t>2018/12/6</a:t>
+              <a:t>2018/12/7</a:t>
             </a:fld>
             <a:endParaRPr lang="zh-TW" altLang="en-US"/>
           </a:p>
@@ -787,7 +793,7 @@
           <a:p>
             <a:fld id="{36726CD0-9CFA-40F5-A611-FE6F369C9A23}" type="datetime1">
               <a:rPr lang="zh-TW" altLang="en-US" smtClean="0"/>
-              <a:t>2018/12/6</a:t>
+              <a:t>2018/12/7</a:t>
             </a:fld>
             <a:endParaRPr lang="zh-TW" altLang="en-US"/>
           </a:p>
@@ -967,7 +973,7 @@
           <a:p>
             <a:fld id="{DA220755-46DE-4810-B6D5-C72950381DC6}" type="datetime1">
               <a:rPr lang="zh-TW" altLang="en-US" smtClean="0"/>
-              <a:t>2018/12/6</a:t>
+              <a:t>2018/12/7</a:t>
             </a:fld>
             <a:endParaRPr lang="zh-TW" altLang="en-US"/>
           </a:p>
@@ -1170,7 +1176,7 @@
           <a:p>
             <a:fld id="{E5F521A5-0C5A-4889-876C-0AFA180295BF}" type="datetime1">
               <a:rPr lang="zh-TW" altLang="en-US" smtClean="0"/>
-              <a:t>2018/12/6</a:t>
+              <a:t>2018/12/7</a:t>
             </a:fld>
             <a:endParaRPr lang="zh-TW" altLang="en-US"/>
           </a:p>
@@ -1340,7 +1346,7 @@
           <a:p>
             <a:fld id="{1FA3C2DC-0238-498A-A745-ECE43EACF10A}" type="datetime1">
               <a:rPr lang="zh-TW" altLang="en-US" smtClean="0"/>
-              <a:t>2018/12/6</a:t>
+              <a:t>2018/12/7</a:t>
             </a:fld>
             <a:endParaRPr lang="zh-TW" altLang="en-US"/>
           </a:p>
@@ -1591,7 +1597,7 @@
           <a:p>
             <a:fld id="{72A2603F-D010-4BA4-BD42-554FD3D72576}" type="datetime1">
               <a:rPr lang="zh-TW" altLang="en-US" smtClean="0"/>
-              <a:t>2018/12/6</a:t>
+              <a:t>2018/12/7</a:t>
             </a:fld>
             <a:endParaRPr lang="zh-TW" altLang="en-US"/>
           </a:p>
@@ -1823,7 +1829,7 @@
           <a:p>
             <a:fld id="{E8B92F6F-2F46-4A3E-8E27-D9F411C71928}" type="datetime1">
               <a:rPr lang="zh-TW" altLang="en-US" smtClean="0"/>
-              <a:t>2018/12/6</a:t>
+              <a:t>2018/12/7</a:t>
             </a:fld>
             <a:endParaRPr lang="zh-TW" altLang="en-US"/>
           </a:p>
@@ -2170,7 +2176,7 @@
           <a:p>
             <a:fld id="{35B9AAD6-BCCA-4ED0-A3C4-F116C91D3E81}" type="datetime1">
               <a:rPr lang="zh-TW" altLang="en-US" smtClean="0"/>
-              <a:t>2018/12/6</a:t>
+              <a:t>2018/12/7</a:t>
             </a:fld>
             <a:endParaRPr lang="zh-TW" altLang="en-US"/>
           </a:p>
@@ -2288,7 +2294,7 @@
           <a:p>
             <a:fld id="{C8101409-0EA9-4637-9C3E-CF9F145FFB39}" type="datetime1">
               <a:rPr lang="zh-TW" altLang="en-US" smtClean="0"/>
-              <a:t>2018/12/6</a:t>
+              <a:t>2018/12/7</a:t>
             </a:fld>
             <a:endParaRPr lang="zh-TW" altLang="en-US"/>
           </a:p>
@@ -2406,7 +2412,7 @@
           <a:p>
             <a:fld id="{D5CFAF41-C7D6-457A-A044-BC41BDCEBA70}" type="datetime1">
               <a:rPr lang="zh-TW" altLang="en-US" smtClean="0"/>
-              <a:t>2018/12/6</a:t>
+              <a:t>2018/12/7</a:t>
             </a:fld>
             <a:endParaRPr lang="zh-TW" altLang="en-US"/>
           </a:p>
@@ -2690,7 +2696,7 @@
           <a:p>
             <a:fld id="{02C107A9-3577-40D5-87EA-049E6D3421E1}" type="datetime1">
               <a:rPr lang="zh-TW" altLang="en-US" smtClean="0"/>
-              <a:t>2018/12/6</a:t>
+              <a:t>2018/12/7</a:t>
             </a:fld>
             <a:endParaRPr lang="zh-TW" altLang="en-US"/>
           </a:p>
@@ -2860,7 +2866,7 @@
           <a:p>
             <a:fld id="{9259B364-3C70-4C09-A412-F783C9CE11E3}" type="datetime1">
               <a:rPr lang="zh-TW" altLang="en-US" smtClean="0"/>
-              <a:t>2018/12/6</a:t>
+              <a:t>2018/12/7</a:t>
             </a:fld>
             <a:endParaRPr lang="zh-TW" altLang="en-US"/>
           </a:p>
@@ -3124,7 +3130,7 @@
           <a:p>
             <a:fld id="{70E76AB6-7553-4DC7-B794-CAE047ECFBEF}" type="datetime1">
               <a:rPr lang="zh-TW" altLang="en-US" smtClean="0"/>
-              <a:t>2018/12/6</a:t>
+              <a:t>2018/12/7</a:t>
             </a:fld>
             <a:endParaRPr lang="zh-TW" altLang="en-US"/>
           </a:p>
@@ -3294,7 +3300,7 @@
           <a:p>
             <a:fld id="{8B3C3026-1929-4285-A7D8-1FA07183938D}" type="datetime1">
               <a:rPr lang="zh-TW" altLang="en-US" smtClean="0"/>
-              <a:t>2018/12/6</a:t>
+              <a:t>2018/12/7</a:t>
             </a:fld>
             <a:endParaRPr lang="zh-TW" altLang="en-US"/>
           </a:p>
@@ -3474,7 +3480,7 @@
           <a:p>
             <a:fld id="{2B8F244C-D158-4B84-B649-7B359BD8F1C7}" type="datetime1">
               <a:rPr lang="zh-TW" altLang="en-US" smtClean="0"/>
-              <a:t>2018/12/6</a:t>
+              <a:t>2018/12/7</a:t>
             </a:fld>
             <a:endParaRPr lang="zh-TW" altLang="en-US"/>
           </a:p>
@@ -3677,7 +3683,7 @@
           <a:p>
             <a:fld id="{2355BF5E-69DC-453D-8891-571B7636B704}" type="datetime1">
               <a:rPr lang="zh-TW" altLang="en-US" smtClean="0"/>
-              <a:t>2018/12/6</a:t>
+              <a:t>2018/12/7</a:t>
             </a:fld>
             <a:endParaRPr lang="zh-TW" altLang="en-US"/>
           </a:p>
@@ -3847,7 +3853,7 @@
           <a:p>
             <a:fld id="{BEC34EA7-C371-45A6-9D16-353D68DCA54C}" type="datetime1">
               <a:rPr lang="zh-TW" altLang="en-US" smtClean="0"/>
-              <a:t>2018/12/6</a:t>
+              <a:t>2018/12/7</a:t>
             </a:fld>
             <a:endParaRPr lang="zh-TW" altLang="en-US"/>
           </a:p>
@@ -4098,7 +4104,7 @@
           <a:p>
             <a:fld id="{FA0EC6FE-60FC-4C18-9FD7-543814A78096}" type="datetime1">
               <a:rPr lang="zh-TW" altLang="en-US" smtClean="0"/>
-              <a:t>2018/12/6</a:t>
+              <a:t>2018/12/7</a:t>
             </a:fld>
             <a:endParaRPr lang="zh-TW" altLang="en-US"/>
           </a:p>
@@ -4330,7 +4336,7 @@
           <a:p>
             <a:fld id="{34A35F88-D7E8-4AF0-A952-7420813D749E}" type="datetime1">
               <a:rPr lang="zh-TW" altLang="en-US" smtClean="0"/>
-              <a:t>2018/12/6</a:t>
+              <a:t>2018/12/7</a:t>
             </a:fld>
             <a:endParaRPr lang="zh-TW" altLang="en-US"/>
           </a:p>
@@ -4677,7 +4683,7 @@
           <a:p>
             <a:fld id="{3157FAC4-64B5-4369-99B7-A2F6D8B7B67D}" type="datetime1">
               <a:rPr lang="zh-TW" altLang="en-US" smtClean="0"/>
-              <a:t>2018/12/6</a:t>
+              <a:t>2018/12/7</a:t>
             </a:fld>
             <a:endParaRPr lang="zh-TW" altLang="en-US"/>
           </a:p>
@@ -4795,7 +4801,7 @@
           <a:p>
             <a:fld id="{DCB1C147-0EE4-45F3-914C-78032D597D8B}" type="datetime1">
               <a:rPr lang="zh-TW" altLang="en-US" smtClean="0"/>
-              <a:t>2018/12/6</a:t>
+              <a:t>2018/12/7</a:t>
             </a:fld>
             <a:endParaRPr lang="zh-TW" altLang="en-US"/>
           </a:p>
@@ -4913,7 +4919,7 @@
           <a:p>
             <a:fld id="{A21B0CF9-7AF2-44B5-8123-2F3B68F35AF8}" type="datetime1">
               <a:rPr lang="zh-TW" altLang="en-US" smtClean="0"/>
-              <a:t>2018/12/6</a:t>
+              <a:t>2018/12/7</a:t>
             </a:fld>
             <a:endParaRPr lang="zh-TW" altLang="en-US"/>
           </a:p>
@@ -5164,7 +5170,7 @@
           <a:p>
             <a:fld id="{FA5DD099-E8B5-4874-A7AB-EFB5E85A6B4C}" type="datetime1">
               <a:rPr lang="zh-TW" altLang="en-US" smtClean="0"/>
-              <a:t>2018/12/6</a:t>
+              <a:t>2018/12/7</a:t>
             </a:fld>
             <a:endParaRPr lang="zh-TW" altLang="en-US"/>
           </a:p>
@@ -5448,7 +5454,7 @@
           <a:p>
             <a:fld id="{28B6C6CA-84D1-4424-9437-F985531C2406}" type="datetime1">
               <a:rPr lang="zh-TW" altLang="en-US" smtClean="0"/>
-              <a:t>2018/12/6</a:t>
+              <a:t>2018/12/7</a:t>
             </a:fld>
             <a:endParaRPr lang="zh-TW" altLang="en-US"/>
           </a:p>
@@ -5712,7 +5718,7 @@
           <a:p>
             <a:fld id="{E30E3083-44AD-4E5E-BBC6-E7FE9269AF80}" type="datetime1">
               <a:rPr lang="zh-TW" altLang="en-US" smtClean="0"/>
-              <a:t>2018/12/6</a:t>
+              <a:t>2018/12/7</a:t>
             </a:fld>
             <a:endParaRPr lang="zh-TW" altLang="en-US"/>
           </a:p>
@@ -5882,7 +5888,7 @@
           <a:p>
             <a:fld id="{94C599FB-7D0C-40C8-956B-D42C5DE73D58}" type="datetime1">
               <a:rPr lang="zh-TW" altLang="en-US" smtClean="0"/>
-              <a:t>2018/12/6</a:t>
+              <a:t>2018/12/7</a:t>
             </a:fld>
             <a:endParaRPr lang="zh-TW" altLang="en-US"/>
           </a:p>
@@ -6062,7 +6068,7 @@
           <a:p>
             <a:fld id="{57E05816-D6CD-4E85-B7FA-7BD3348D0E7A}" type="datetime1">
               <a:rPr lang="zh-TW" altLang="en-US" smtClean="0"/>
-              <a:t>2018/12/6</a:t>
+              <a:t>2018/12/7</a:t>
             </a:fld>
             <a:endParaRPr lang="zh-TW" altLang="en-US"/>
           </a:p>
@@ -6265,7 +6271,7 @@
           <a:p>
             <a:fld id="{D6CB6773-563B-4D65-BD0C-8FEEDE58DDEE}" type="datetime1">
               <a:rPr lang="zh-TW" altLang="en-US" smtClean="0"/>
-              <a:t>2018/12/6</a:t>
+              <a:t>2018/12/7</a:t>
             </a:fld>
             <a:endParaRPr lang="zh-TW" altLang="en-US"/>
           </a:p>
@@ -6435,7 +6441,7 @@
           <a:p>
             <a:fld id="{6D13C1A7-D7E9-4EBE-B3DB-C4CA714D4636}" type="datetime1">
               <a:rPr lang="zh-TW" altLang="en-US" smtClean="0"/>
-              <a:t>2018/12/6</a:t>
+              <a:t>2018/12/7</a:t>
             </a:fld>
             <a:endParaRPr lang="zh-TW" altLang="en-US"/>
           </a:p>
@@ -6686,7 +6692,7 @@
           <a:p>
             <a:fld id="{2E138645-0F73-428E-A5D7-3CE5F28FF31C}" type="datetime1">
               <a:rPr lang="zh-TW" altLang="en-US" smtClean="0"/>
-              <a:t>2018/12/6</a:t>
+              <a:t>2018/12/7</a:t>
             </a:fld>
             <a:endParaRPr lang="zh-TW" altLang="en-US"/>
           </a:p>
@@ -6918,7 +6924,7 @@
           <a:p>
             <a:fld id="{01A3C182-DCBC-4E0F-8318-AE5E7EE2D3B9}" type="datetime1">
               <a:rPr lang="zh-TW" altLang="en-US" smtClean="0"/>
-              <a:t>2018/12/6</a:t>
+              <a:t>2018/12/7</a:t>
             </a:fld>
             <a:endParaRPr lang="zh-TW" altLang="en-US"/>
           </a:p>
@@ -7265,7 +7271,7 @@
           <a:p>
             <a:fld id="{9831612C-8DCA-4B3B-B87B-FA31CE36BBB0}" type="datetime1">
               <a:rPr lang="zh-TW" altLang="en-US" smtClean="0"/>
-              <a:t>2018/12/6</a:t>
+              <a:t>2018/12/7</a:t>
             </a:fld>
             <a:endParaRPr lang="zh-TW" altLang="en-US"/>
           </a:p>
@@ -7383,7 +7389,7 @@
           <a:p>
             <a:fld id="{ED63F962-D6E4-487F-A001-6BC4A1E685B9}" type="datetime1">
               <a:rPr lang="zh-TW" altLang="en-US" smtClean="0"/>
-              <a:t>2018/12/6</a:t>
+              <a:t>2018/12/7</a:t>
             </a:fld>
             <a:endParaRPr lang="zh-TW" altLang="en-US"/>
           </a:p>
@@ -7638,7 +7644,7 @@
           <a:p>
             <a:fld id="{4922D1C6-8FF8-4DA2-983C-EABEAE9CA318}" type="datetime1">
               <a:rPr lang="zh-TW" altLang="en-US" smtClean="0"/>
-              <a:t>2018/12/6</a:t>
+              <a:t>2018/12/7</a:t>
             </a:fld>
             <a:endParaRPr lang="zh-TW" altLang="en-US"/>
           </a:p>
@@ -7733,7 +7739,7 @@
           <a:p>
             <a:fld id="{8065B6E5-B0A3-42B4-98E7-64832B1EF8A1}" type="datetime1">
               <a:rPr lang="zh-TW" altLang="en-US" smtClean="0"/>
-              <a:t>2018/12/6</a:t>
+              <a:t>2018/12/7</a:t>
             </a:fld>
             <a:endParaRPr lang="zh-TW" altLang="en-US"/>
           </a:p>
@@ -8017,7 +8023,7 @@
           <a:p>
             <a:fld id="{4DE3684B-1976-4E38-B37C-ACF524629707}" type="datetime1">
               <a:rPr lang="zh-TW" altLang="en-US" smtClean="0"/>
-              <a:t>2018/12/6</a:t>
+              <a:t>2018/12/7</a:t>
             </a:fld>
             <a:endParaRPr lang="zh-TW" altLang="en-US"/>
           </a:p>
@@ -8281,7 +8287,7 @@
           <a:p>
             <a:fld id="{7D46E2C3-6039-4527-98CA-82BA4B65F974}" type="datetime1">
               <a:rPr lang="zh-TW" altLang="en-US" smtClean="0"/>
-              <a:t>2018/12/6</a:t>
+              <a:t>2018/12/7</a:t>
             </a:fld>
             <a:endParaRPr lang="zh-TW" altLang="en-US"/>
           </a:p>
@@ -8451,7 +8457,7 @@
           <a:p>
             <a:fld id="{1E368F9C-57EA-4C51-9419-27224987FAC1}" type="datetime1">
               <a:rPr lang="zh-TW" altLang="en-US" smtClean="0"/>
-              <a:t>2018/12/6</a:t>
+              <a:t>2018/12/7</a:t>
             </a:fld>
             <a:endParaRPr lang="zh-TW" altLang="en-US"/>
           </a:p>
@@ -8631,7 +8637,7 @@
           <a:p>
             <a:fld id="{9A4A4476-CE78-47E8-A082-C76F9B6D8181}" type="datetime1">
               <a:rPr lang="zh-TW" altLang="en-US" smtClean="0"/>
-              <a:t>2018/12/6</a:t>
+              <a:t>2018/12/7</a:t>
             </a:fld>
             <a:endParaRPr lang="zh-TW" altLang="en-US"/>
           </a:p>
@@ -8978,7 +8984,7 @@
           <a:p>
             <a:fld id="{57C5A35A-C133-4AD5-BD8A-9D9682386561}" type="datetime1">
               <a:rPr lang="zh-TW" altLang="en-US" smtClean="0"/>
-              <a:t>2018/12/6</a:t>
+              <a:t>2018/12/7</a:t>
             </a:fld>
             <a:endParaRPr lang="zh-TW" altLang="en-US"/>
           </a:p>
@@ -9096,7 +9102,7 @@
           <a:p>
             <a:fld id="{6B474C04-97BD-4F83-A084-CBF40E96A679}" type="datetime1">
               <a:rPr lang="zh-TW" altLang="en-US" smtClean="0"/>
-              <a:t>2018/12/6</a:t>
+              <a:t>2018/12/7</a:t>
             </a:fld>
             <a:endParaRPr lang="zh-TW" altLang="en-US"/>
           </a:p>
@@ -9214,7 +9220,7 @@
           <a:p>
             <a:fld id="{74ED0798-8510-47BB-92D6-0F941ADBDDA2}" type="datetime1">
               <a:rPr lang="zh-TW" altLang="en-US" smtClean="0"/>
-              <a:t>2018/12/6</a:t>
+              <a:t>2018/12/7</a:t>
             </a:fld>
             <a:endParaRPr lang="zh-TW" altLang="en-US"/>
           </a:p>
@@ -9498,7 +9504,7 @@
           <a:p>
             <a:fld id="{1633BBB8-24C8-4D52-8C8B-31F86569C581}" type="datetime1">
               <a:rPr lang="zh-TW" altLang="en-US" smtClean="0"/>
-              <a:t>2018/12/6</a:t>
+              <a:t>2018/12/7</a:t>
             </a:fld>
             <a:endParaRPr lang="zh-TW" altLang="en-US"/>
           </a:p>
@@ -9762,7 +9768,7 @@
           <a:p>
             <a:fld id="{1E5109C7-CE75-4981-8AA8-1C5769DF0A44}" type="datetime1">
               <a:rPr lang="zh-TW" altLang="en-US" smtClean="0"/>
-              <a:t>2018/12/6</a:t>
+              <a:t>2018/12/7</a:t>
             </a:fld>
             <a:endParaRPr lang="zh-TW" altLang="en-US"/>
           </a:p>
@@ -9976,7 +9982,7 @@
           <a:p>
             <a:fld id="{FAB02FCD-0705-46ED-9D1C-4DC76C9FED3D}" type="datetime1">
               <a:rPr lang="zh-TW" altLang="en-US" smtClean="0"/>
-              <a:t>2018/12/6</a:t>
+              <a:t>2018/12/7</a:t>
             </a:fld>
             <a:endParaRPr lang="zh-TW" altLang="en-US"/>
           </a:p>
@@ -10507,7 +10513,7 @@
           <a:p>
             <a:fld id="{3E4DD598-BD99-402B-B03B-79A4244B5CDE}" type="datetime1">
               <a:rPr lang="zh-TW" altLang="en-US" smtClean="0"/>
-              <a:t>2018/12/6</a:t>
+              <a:t>2018/12/7</a:t>
             </a:fld>
             <a:endParaRPr lang="zh-TW" altLang="en-US"/>
           </a:p>
@@ -11038,7 +11044,7 @@
           <a:p>
             <a:fld id="{2DACF56B-41F2-446F-A47D-CFB51CE02A56}" type="datetime1">
               <a:rPr lang="zh-TW" altLang="en-US" smtClean="0"/>
-              <a:t>2018/12/6</a:t>
+              <a:t>2018/12/7</a:t>
             </a:fld>
             <a:endParaRPr lang="zh-TW" altLang="en-US"/>
           </a:p>
@@ -11569,7 +11575,7 @@
           <a:p>
             <a:fld id="{725999A6-2EE7-4B2B-8C8A-FBC4E172BD77}" type="datetime1">
               <a:rPr lang="zh-TW" altLang="en-US" smtClean="0"/>
-              <a:t>2018/12/6</a:t>
+              <a:t>2018/12/7</a:t>
             </a:fld>
             <a:endParaRPr lang="zh-TW" altLang="en-US"/>
           </a:p>
@@ -11993,7 +11999,7 @@
         </p:blipFill>
         <p:spPr bwMode="auto">
           <a:xfrm>
-            <a:off x="5207112" y="-175745"/>
+            <a:off x="5438760" y="-175745"/>
             <a:ext cx="6602460" cy="6602460"/>
           </a:xfrm>
           <a:prstGeom prst="rect">
@@ -12041,12 +12047,18 @@
           <a:p>
             <a:r>
               <a:rPr lang="en-US" altLang="zh-TW" sz="5400" dirty="0">
+                <a:solidFill>
+                  <a:schemeClr val="accent1"/>
+                </a:solidFill>
                 <a:latin typeface="Algerian" panose="04020705040A02060702" pitchFamily="82" charset="0"/>
                 <a:cs typeface="Angsana New" panose="020B0502040204020203" pitchFamily="18" charset="-34"/>
               </a:rPr>
-              <a:t>Costa Rican Household Poverty Level Prediction</a:t>
+              <a:t>Poverty level indicators for Costa Rican Households</a:t>
             </a:r>
             <a:endParaRPr lang="zh-TW" altLang="en-US" sz="5400" dirty="0">
+              <a:solidFill>
+                <a:schemeClr val="accent1"/>
+              </a:solidFill>
               <a:latin typeface="Algerian" panose="04020705040A02060702" pitchFamily="82" charset="0"/>
               <a:cs typeface="Angsana New" panose="020B0502040204020203" pitchFamily="18" charset="-34"/>
             </a:endParaRPr>
@@ -12083,6 +12095,9 @@
           <a:p>
             <a:r>
               <a:rPr lang="en-US" altLang="zh-TW" sz="2400" dirty="0">
+                <a:solidFill>
+                  <a:schemeClr val="accent1"/>
+                </a:solidFill>
                 <a:latin typeface="Castellar" panose="020A0402060406010301" pitchFamily="18" charset="0"/>
                 <a:cs typeface="Times New Roman" panose="02020603050405020304" pitchFamily="18" charset="0"/>
               </a:rPr>
@@ -12092,6 +12107,9 @@
           <a:p>
             <a:r>
               <a:rPr lang="en-US" altLang="zh-TW" sz="2400" dirty="0">
+                <a:solidFill>
+                  <a:schemeClr val="accent1"/>
+                </a:solidFill>
                 <a:latin typeface="Castellar" panose="020A0402060406010301" pitchFamily="18" charset="0"/>
                 <a:cs typeface="Times New Roman" panose="02020603050405020304" pitchFamily="18" charset="0"/>
               </a:rPr>
@@ -12099,12 +12117,18 @@
             </a:r>
             <a:r>
               <a:rPr lang="en-US" altLang="zh-TW" sz="2400" dirty="0" err="1">
+                <a:solidFill>
+                  <a:schemeClr val="accent1"/>
+                </a:solidFill>
                 <a:latin typeface="Castellar" panose="020A0402060406010301" pitchFamily="18" charset="0"/>
                 <a:cs typeface="Times New Roman" panose="02020603050405020304" pitchFamily="18" charset="0"/>
               </a:rPr>
               <a:t>Unpingco</a:t>
             </a:r>
             <a:endParaRPr lang="en-US" altLang="zh-TW" sz="2400" dirty="0">
+              <a:solidFill>
+                <a:schemeClr val="accent1"/>
+              </a:solidFill>
               <a:latin typeface="Castellar" panose="020A0402060406010301" pitchFamily="18" charset="0"/>
               <a:cs typeface="Times New Roman" panose="02020603050405020304" pitchFamily="18" charset="0"/>
             </a:endParaRPr>
@@ -12112,6 +12136,9 @@
           <a:p>
             <a:r>
               <a:rPr lang="en-US" altLang="zh-TW" sz="2400" dirty="0">
+                <a:solidFill>
+                  <a:schemeClr val="accent1"/>
+                </a:solidFill>
                 <a:latin typeface="Castellar" panose="020A0402060406010301" pitchFamily="18" charset="0"/>
                 <a:cs typeface="Times New Roman" panose="02020603050405020304" pitchFamily="18" charset="0"/>
               </a:rPr>
@@ -12119,18 +12146,27 @@
             </a:r>
             <a:br>
               <a:rPr lang="en-US" altLang="zh-TW" sz="2400" dirty="0">
+                <a:solidFill>
+                  <a:schemeClr val="accent1"/>
+                </a:solidFill>
                 <a:latin typeface="Castellar" panose="020A0402060406010301" pitchFamily="18" charset="0"/>
                 <a:cs typeface="Times New Roman" panose="02020603050405020304" pitchFamily="18" charset="0"/>
               </a:rPr>
             </a:br>
             <a:r>
               <a:rPr lang="en-US" altLang="zh-TW" sz="2400" dirty="0">
+                <a:solidFill>
+                  <a:schemeClr val="accent1"/>
+                </a:solidFill>
                 <a:latin typeface="Castellar" panose="020A0402060406010301" pitchFamily="18" charset="0"/>
                 <a:cs typeface="Times New Roman" panose="02020603050405020304" pitchFamily="18" charset="0"/>
               </a:rPr>
               <a:t>12/7/2018</a:t>
             </a:r>
             <a:endParaRPr lang="zh-TW" altLang="en-US" sz="2400" dirty="0">
+              <a:solidFill>
+                <a:schemeClr val="accent1"/>
+              </a:solidFill>
               <a:latin typeface="Castellar" panose="020A0402060406010301" pitchFamily="18" charset="0"/>
               <a:cs typeface="Times New Roman" panose="02020603050405020304" pitchFamily="18" charset="0"/>
             </a:endParaRPr>
@@ -12179,6 +12215,9 @@
           <a:p>
             <a:r>
               <a:rPr lang="en-US" altLang="zh-TW" sz="2400" dirty="0">
+                <a:solidFill>
+                  <a:schemeClr val="accent1"/>
+                </a:solidFill>
                 <a:latin typeface="Castellar" panose="020A0402060406010301" pitchFamily="18" charset="0"/>
                 <a:cs typeface="Times New Roman" panose="02020603050405020304" pitchFamily="18" charset="0"/>
               </a:rPr>
@@ -12188,6 +12227,9 @@
           <a:p>
             <a:r>
               <a:rPr lang="en-US" altLang="zh-TW" sz="2400" dirty="0">
+                <a:solidFill>
+                  <a:schemeClr val="accent1"/>
+                </a:solidFill>
                 <a:latin typeface="Castellar" panose="020A0402060406010301" pitchFamily="18" charset="0"/>
                 <a:cs typeface="Times New Roman" panose="02020603050405020304" pitchFamily="18" charset="0"/>
               </a:rPr>
@@ -12195,12 +12237,18 @@
             </a:r>
             <a:r>
               <a:rPr lang="zh-TW" altLang="en-US" sz="2400" dirty="0">
+                <a:solidFill>
+                  <a:schemeClr val="accent1"/>
+                </a:solidFill>
                 <a:latin typeface="Castellar" panose="020A0402060406010301" pitchFamily="18" charset="0"/>
                 <a:cs typeface="Times New Roman" panose="02020603050405020304" pitchFamily="18" charset="0"/>
               </a:rPr>
               <a:t>    </a:t>
             </a:r>
             <a:endParaRPr lang="en-US" altLang="zh-TW" sz="2400" dirty="0">
+              <a:solidFill>
+                <a:schemeClr val="accent1"/>
+              </a:solidFill>
               <a:latin typeface="Castellar" panose="020A0402060406010301" pitchFamily="18" charset="0"/>
               <a:cs typeface="Times New Roman" panose="02020603050405020304" pitchFamily="18" charset="0"/>
             </a:endParaRPr>
@@ -12208,6 +12256,9 @@
           <a:p>
             <a:r>
               <a:rPr lang="en-US" altLang="zh-TW" sz="2400" dirty="0" err="1">
+                <a:solidFill>
+                  <a:schemeClr val="accent1"/>
+                </a:solidFill>
                 <a:latin typeface="Castellar" panose="020A0402060406010301" pitchFamily="18" charset="0"/>
                 <a:cs typeface="Times New Roman" panose="02020603050405020304" pitchFamily="18" charset="0"/>
               </a:rPr>
@@ -12215,6 +12266,9 @@
             </a:r>
             <a:r>
               <a:rPr lang="zh-TW" altLang="en-US" sz="2400" dirty="0">
+                <a:solidFill>
+                  <a:schemeClr val="accent1"/>
+                </a:solidFill>
                 <a:latin typeface="Castellar" panose="020A0402060406010301" pitchFamily="18" charset="0"/>
                 <a:cs typeface="Times New Roman" panose="02020603050405020304" pitchFamily="18" charset="0"/>
               </a:rPr>
@@ -12222,6 +12276,9 @@
             </a:r>
             <a:r>
               <a:rPr lang="en-US" altLang="zh-TW" sz="2400" dirty="0">
+                <a:solidFill>
+                  <a:schemeClr val="accent1"/>
+                </a:solidFill>
                 <a:latin typeface="Castellar" panose="020A0402060406010301" pitchFamily="18" charset="0"/>
                 <a:cs typeface="Times New Roman" panose="02020603050405020304" pitchFamily="18" charset="0"/>
               </a:rPr>
@@ -12229,12 +12286,18 @@
             </a:r>
             <a:r>
               <a:rPr lang="zh-TW" altLang="en-US" sz="2400" dirty="0">
+                <a:solidFill>
+                  <a:schemeClr val="accent1"/>
+                </a:solidFill>
                 <a:latin typeface="Castellar" panose="020A0402060406010301" pitchFamily="18" charset="0"/>
                 <a:cs typeface="Times New Roman" panose="02020603050405020304" pitchFamily="18" charset="0"/>
               </a:rPr>
               <a:t> </a:t>
             </a:r>
             <a:endParaRPr lang="en-US" altLang="zh-TW" sz="2400" dirty="0">
+              <a:solidFill>
+                <a:schemeClr val="accent1"/>
+              </a:solidFill>
               <a:latin typeface="Castellar" panose="020A0402060406010301" pitchFamily="18" charset="0"/>
               <a:cs typeface="Times New Roman" panose="02020603050405020304" pitchFamily="18" charset="0"/>
             </a:endParaRPr>
@@ -12242,6 +12305,9 @@
           <a:p>
             <a:r>
               <a:rPr lang="en-US" altLang="zh-TW" sz="2400" dirty="0" err="1">
+                <a:solidFill>
+                  <a:schemeClr val="accent1"/>
+                </a:solidFill>
                 <a:latin typeface="Castellar" panose="020A0402060406010301" pitchFamily="18" charset="0"/>
                 <a:cs typeface="Times New Roman" panose="02020603050405020304" pitchFamily="18" charset="0"/>
               </a:rPr>
@@ -12249,6 +12315,9 @@
             </a:r>
             <a:r>
               <a:rPr lang="en-US" altLang="zh-TW" sz="2400" dirty="0">
+                <a:solidFill>
+                  <a:schemeClr val="accent1"/>
+                </a:solidFill>
                 <a:latin typeface="Castellar" panose="020A0402060406010301" pitchFamily="18" charset="0"/>
                 <a:cs typeface="Times New Roman" panose="02020603050405020304" pitchFamily="18" charset="0"/>
               </a:rPr>
@@ -12258,13 +12327,19 @@
           <a:p>
             <a:r>
               <a:rPr lang="en-US" altLang="zh-TW" sz="2400" dirty="0" err="1">
+                <a:solidFill>
+                  <a:schemeClr val="accent1"/>
+                </a:solidFill>
                 <a:latin typeface="Castellar" panose="020A0402060406010301" pitchFamily="18" charset="0"/>
                 <a:cs typeface="Times New Roman" panose="02020603050405020304" pitchFamily="18" charset="0"/>
               </a:rPr>
-              <a:t>Gantum</a:t>
+              <a:t>GaUTAM</a:t>
             </a:r>
             <a:r>
               <a:rPr lang="en-US" altLang="zh-TW" sz="2400" dirty="0">
+                <a:solidFill>
+                  <a:schemeClr val="accent1"/>
+                </a:solidFill>
                 <a:latin typeface="Castellar" panose="020A0402060406010301" pitchFamily="18" charset="0"/>
                 <a:cs typeface="Times New Roman" panose="02020603050405020304" pitchFamily="18" charset="0"/>
               </a:rPr>
@@ -12309,6 +12384,1628 @@
     <p:extLst>
       <p:ext uri="{BB962C8B-B14F-4D97-AF65-F5344CB8AC3E}">
         <p14:creationId xmlns:p14="http://schemas.microsoft.com/office/powerpoint/2010/main" val="249298791"/>
+      </p:ext>
+    </p:extLst>
+  </p:cSld>
+  <p:clrMapOvr>
+    <a:masterClrMapping/>
+  </p:clrMapOvr>
+</p:sld>
+</file>
+
+<file path=ppt/slides/slide10.xml><?xml version="1.0" encoding="utf-8"?>
+<p:sld xmlns:a="http://schemas.openxmlformats.org/drawingml/2006/main" xmlns:r="http://schemas.openxmlformats.org/officeDocument/2006/relationships" xmlns:p="http://schemas.openxmlformats.org/presentationml/2006/main">
+  <p:cSld>
+    <p:spTree>
+      <p:nvGrpSpPr>
+        <p:cNvPr id="1" name=""/>
+        <p:cNvGrpSpPr/>
+        <p:nvPr/>
+      </p:nvGrpSpPr>
+      <p:grpSpPr>
+        <a:xfrm>
+          <a:off x="0" y="0"/>
+          <a:ext cx="0" cy="0"/>
+          <a:chOff x="0" y="0"/>
+          <a:chExt cx="0" cy="0"/>
+        </a:xfrm>
+      </p:grpSpPr>
+      <p:sp>
+        <p:nvSpPr>
+          <p:cNvPr id="5" name="文字方塊 4">
+            <a:extLst>
+              <a:ext uri="{FF2B5EF4-FFF2-40B4-BE49-F238E27FC236}">
+                <a16:creationId xmlns:a16="http://schemas.microsoft.com/office/drawing/2014/main" id="{FD213EEC-5973-4B66-910F-949B3065FEC8}"/>
+              </a:ext>
+            </a:extLst>
+          </p:cNvPr>
+          <p:cNvSpPr txBox="1"/>
+          <p:nvPr/>
+        </p:nvSpPr>
+        <p:spPr>
+          <a:xfrm>
+            <a:off x="488210" y="392766"/>
+            <a:ext cx="10183507" cy="646331"/>
+          </a:xfrm>
+          <a:prstGeom prst="rect">
+            <a:avLst/>
+          </a:prstGeom>
+          <a:noFill/>
+        </p:spPr>
+        <p:txBody>
+          <a:bodyPr wrap="square" rtlCol="0">
+            <a:spAutoFit/>
+          </a:bodyPr>
+          <a:lstStyle/>
+          <a:p>
+            <a:r>
+              <a:rPr lang="en-US" altLang="zh-TW" sz="3600" dirty="0">
+                <a:solidFill>
+                  <a:schemeClr val="accent1"/>
+                </a:solidFill>
+                <a:latin typeface="Times New Roman" panose="02020603050405020304" pitchFamily="18" charset="0"/>
+                <a:cs typeface="Times New Roman" panose="02020603050405020304" pitchFamily="18" charset="0"/>
+              </a:rPr>
+              <a:t>Income Growth for Different Regions and Provinces:</a:t>
+            </a:r>
+          </a:p>
+        </p:txBody>
+      </p:sp>
+      <p:sp>
+        <p:nvSpPr>
+          <p:cNvPr id="6" name="投影片編號版面配置區 5">
+            <a:extLst>
+              <a:ext uri="{FF2B5EF4-FFF2-40B4-BE49-F238E27FC236}">
+                <a16:creationId xmlns:a16="http://schemas.microsoft.com/office/drawing/2014/main" id="{9B748110-F0A5-45FD-AF41-F5145614443E}"/>
+              </a:ext>
+            </a:extLst>
+          </p:cNvPr>
+          <p:cNvSpPr>
+            <a:spLocks noGrp="1"/>
+          </p:cNvSpPr>
+          <p:nvPr>
+            <p:ph type="sldNum" sz="quarter" idx="12"/>
+          </p:nvPr>
+        </p:nvSpPr>
+        <p:spPr/>
+        <p:txBody>
+          <a:bodyPr/>
+          <a:lstStyle/>
+          <a:p>
+            <a:fld id="{12557DE7-69BF-4263-AE6B-A95654E50E8C}" type="slidenum">
+              <a:rPr lang="zh-TW" altLang="en-US" smtClean="0"/>
+              <a:t>10</a:t>
+            </a:fld>
+            <a:endParaRPr lang="zh-TW" altLang="en-US"/>
+          </a:p>
+        </p:txBody>
+      </p:sp>
+      <p:pic>
+        <p:nvPicPr>
+          <p:cNvPr id="3" name="Picture 2" descr="A close up of a map&#13;&#10;&#13;&#10;Description automatically generated">
+            <a:extLst>
+              <a:ext uri="{FF2B5EF4-FFF2-40B4-BE49-F238E27FC236}">
+                <a16:creationId xmlns:a16="http://schemas.microsoft.com/office/drawing/2014/main" id="{C9DDCA9C-DB36-D048-9311-546B1CC54A6B}"/>
+              </a:ext>
+            </a:extLst>
+          </p:cNvPr>
+          <p:cNvPicPr>
+            <a:picLocks noChangeAspect="1"/>
+          </p:cNvPicPr>
+          <p:nvPr/>
+        </p:nvPicPr>
+        <p:blipFill>
+          <a:blip r:embed="rId2">
+            <a:extLst>
+              <a:ext uri="{28A0092B-C50C-407E-A947-70E740481C1C}">
+                <a14:useLocalDpi xmlns:a14="http://schemas.microsoft.com/office/drawing/2010/main" val="0"/>
+              </a:ext>
+            </a:extLst>
+          </a:blip>
+          <a:stretch>
+            <a:fillRect/>
+          </a:stretch>
+        </p:blipFill>
+        <p:spPr>
+          <a:xfrm>
+            <a:off x="2257502" y="1074870"/>
+            <a:ext cx="7544972" cy="5281480"/>
+          </a:xfrm>
+          <a:prstGeom prst="rect">
+            <a:avLst/>
+          </a:prstGeom>
+        </p:spPr>
+      </p:pic>
+    </p:spTree>
+    <p:extLst>
+      <p:ext uri="{BB962C8B-B14F-4D97-AF65-F5344CB8AC3E}">
+        <p14:creationId xmlns:p14="http://schemas.microsoft.com/office/powerpoint/2010/main" val="611259448"/>
+      </p:ext>
+    </p:extLst>
+  </p:cSld>
+  <p:clrMapOvr>
+    <a:masterClrMapping/>
+  </p:clrMapOvr>
+</p:sld>
+</file>
+
+<file path=ppt/slides/slide11.xml><?xml version="1.0" encoding="utf-8"?>
+<p:sld xmlns:a="http://schemas.openxmlformats.org/drawingml/2006/main" xmlns:r="http://schemas.openxmlformats.org/officeDocument/2006/relationships" xmlns:p="http://schemas.openxmlformats.org/presentationml/2006/main">
+  <p:cSld>
+    <p:spTree>
+      <p:nvGrpSpPr>
+        <p:cNvPr id="1" name=""/>
+        <p:cNvGrpSpPr/>
+        <p:nvPr/>
+      </p:nvGrpSpPr>
+      <p:grpSpPr>
+        <a:xfrm>
+          <a:off x="0" y="0"/>
+          <a:ext cx="0" cy="0"/>
+          <a:chOff x="0" y="0"/>
+          <a:chExt cx="0" cy="0"/>
+        </a:xfrm>
+      </p:grpSpPr>
+      <p:sp>
+        <p:nvSpPr>
+          <p:cNvPr id="3" name="文字方塊 2">
+            <a:extLst>
+              <a:ext uri="{FF2B5EF4-FFF2-40B4-BE49-F238E27FC236}">
+                <a16:creationId xmlns:a16="http://schemas.microsoft.com/office/drawing/2014/main" id="{4CCC1DB7-FD49-4380-8080-28FBCA6C7D95}"/>
+              </a:ext>
+            </a:extLst>
+          </p:cNvPr>
+          <p:cNvSpPr txBox="1"/>
+          <p:nvPr/>
+        </p:nvSpPr>
+        <p:spPr>
+          <a:xfrm>
+            <a:off x="488211" y="392766"/>
+            <a:ext cx="11356786" cy="646331"/>
+          </a:xfrm>
+          <a:prstGeom prst="rect">
+            <a:avLst/>
+          </a:prstGeom>
+          <a:noFill/>
+        </p:spPr>
+        <p:txBody>
+          <a:bodyPr wrap="square" rtlCol="0">
+            <a:spAutoFit/>
+          </a:bodyPr>
+          <a:lstStyle/>
+          <a:p>
+            <a:r>
+              <a:rPr lang="en-US" altLang="zh-TW" sz="3600" dirty="0">
+                <a:solidFill>
+                  <a:schemeClr val="accent1"/>
+                </a:solidFill>
+                <a:latin typeface="Times New Roman" panose="02020603050405020304" pitchFamily="18" charset="0"/>
+                <a:cs typeface="Times New Roman" panose="02020603050405020304" pitchFamily="18" charset="0"/>
+              </a:rPr>
+              <a:t>Economy (Number of Established companies in Costa Rica)</a:t>
+            </a:r>
+          </a:p>
+        </p:txBody>
+      </p:sp>
+      <p:sp>
+        <p:nvSpPr>
+          <p:cNvPr id="4" name="投影片編號版面配置區 3">
+            <a:extLst>
+              <a:ext uri="{FF2B5EF4-FFF2-40B4-BE49-F238E27FC236}">
+                <a16:creationId xmlns:a16="http://schemas.microsoft.com/office/drawing/2014/main" id="{D912EAEA-ED49-4FDB-A786-D2D654AD9E25}"/>
+              </a:ext>
+            </a:extLst>
+          </p:cNvPr>
+          <p:cNvSpPr>
+            <a:spLocks noGrp="1"/>
+          </p:cNvSpPr>
+          <p:nvPr>
+            <p:ph type="sldNum" sz="quarter" idx="12"/>
+          </p:nvPr>
+        </p:nvSpPr>
+        <p:spPr/>
+        <p:txBody>
+          <a:bodyPr/>
+          <a:lstStyle/>
+          <a:p>
+            <a:fld id="{12557DE7-69BF-4263-AE6B-A95654E50E8C}" type="slidenum">
+              <a:rPr lang="zh-TW" altLang="en-US" smtClean="0"/>
+              <a:t>11</a:t>
+            </a:fld>
+            <a:endParaRPr lang="zh-TW" altLang="en-US"/>
+          </a:p>
+        </p:txBody>
+      </p:sp>
+      <p:pic>
+        <p:nvPicPr>
+          <p:cNvPr id="5" name="Picture 4" descr="A close up of a map&#13;&#10;&#13;&#10;Description automatically generated">
+            <a:extLst>
+              <a:ext uri="{FF2B5EF4-FFF2-40B4-BE49-F238E27FC236}">
+                <a16:creationId xmlns:a16="http://schemas.microsoft.com/office/drawing/2014/main" id="{DB4F91F6-DDC0-6A41-9B53-4D2802E0EE00}"/>
+              </a:ext>
+            </a:extLst>
+          </p:cNvPr>
+          <p:cNvPicPr>
+            <a:picLocks noChangeAspect="1"/>
+          </p:cNvPicPr>
+          <p:nvPr/>
+        </p:nvPicPr>
+        <p:blipFill>
+          <a:blip r:embed="rId2">
+            <a:extLst>
+              <a:ext uri="{28A0092B-C50C-407E-A947-70E740481C1C}">
+                <a14:useLocalDpi xmlns:a14="http://schemas.microsoft.com/office/drawing/2010/main" val="0"/>
+              </a:ext>
+            </a:extLst>
+          </a:blip>
+          <a:stretch>
+            <a:fillRect/>
+          </a:stretch>
+        </p:blipFill>
+        <p:spPr>
+          <a:xfrm>
+            <a:off x="3396126" y="1409928"/>
+            <a:ext cx="5399747" cy="4847948"/>
+          </a:xfrm>
+          <a:prstGeom prst="rect">
+            <a:avLst/>
+          </a:prstGeom>
+        </p:spPr>
+      </p:pic>
+    </p:spTree>
+    <p:extLst>
+      <p:ext uri="{BB962C8B-B14F-4D97-AF65-F5344CB8AC3E}">
+        <p14:creationId xmlns:p14="http://schemas.microsoft.com/office/powerpoint/2010/main" val="1145078724"/>
+      </p:ext>
+    </p:extLst>
+  </p:cSld>
+  <p:clrMapOvr>
+    <a:masterClrMapping/>
+  </p:clrMapOvr>
+</p:sld>
+</file>
+
+<file path=ppt/slides/slide12.xml><?xml version="1.0" encoding="utf-8"?>
+<p:sld xmlns:a="http://schemas.openxmlformats.org/drawingml/2006/main" xmlns:r="http://schemas.openxmlformats.org/officeDocument/2006/relationships" xmlns:p="http://schemas.openxmlformats.org/presentationml/2006/main">
+  <p:cSld>
+    <p:spTree>
+      <p:nvGrpSpPr>
+        <p:cNvPr id="1" name=""/>
+        <p:cNvGrpSpPr/>
+        <p:nvPr/>
+      </p:nvGrpSpPr>
+      <p:grpSpPr>
+        <a:xfrm>
+          <a:off x="0" y="0"/>
+          <a:ext cx="0" cy="0"/>
+          <a:chOff x="0" y="0"/>
+          <a:chExt cx="0" cy="0"/>
+        </a:xfrm>
+      </p:grpSpPr>
+      <p:sp>
+        <p:nvSpPr>
+          <p:cNvPr id="3" name="文字方塊 2">
+            <a:extLst>
+              <a:ext uri="{FF2B5EF4-FFF2-40B4-BE49-F238E27FC236}">
+                <a16:creationId xmlns:a16="http://schemas.microsoft.com/office/drawing/2014/main" id="{4CCC1DB7-FD49-4380-8080-28FBCA6C7D95}"/>
+              </a:ext>
+            </a:extLst>
+          </p:cNvPr>
+          <p:cNvSpPr txBox="1"/>
+          <p:nvPr/>
+        </p:nvSpPr>
+        <p:spPr>
+          <a:xfrm>
+            <a:off x="488211" y="392766"/>
+            <a:ext cx="11356786" cy="646331"/>
+          </a:xfrm>
+          <a:prstGeom prst="rect">
+            <a:avLst/>
+          </a:prstGeom>
+          <a:noFill/>
+        </p:spPr>
+        <p:txBody>
+          <a:bodyPr wrap="square" rtlCol="0">
+            <a:spAutoFit/>
+          </a:bodyPr>
+          <a:lstStyle/>
+          <a:p>
+            <a:r>
+              <a:rPr lang="en-US" altLang="zh-TW" sz="3600" dirty="0">
+                <a:solidFill>
+                  <a:schemeClr val="accent1"/>
+                </a:solidFill>
+                <a:latin typeface="Times New Roman" panose="02020603050405020304" pitchFamily="18" charset="0"/>
+                <a:cs typeface="Times New Roman" panose="02020603050405020304" pitchFamily="18" charset="0"/>
+              </a:rPr>
+              <a:t>Impact of Change in Number of companies on income:</a:t>
+            </a:r>
+          </a:p>
+        </p:txBody>
+      </p:sp>
+      <p:sp>
+        <p:nvSpPr>
+          <p:cNvPr id="4" name="投影片編號版面配置區 3">
+            <a:extLst>
+              <a:ext uri="{FF2B5EF4-FFF2-40B4-BE49-F238E27FC236}">
+                <a16:creationId xmlns:a16="http://schemas.microsoft.com/office/drawing/2014/main" id="{D912EAEA-ED49-4FDB-A786-D2D654AD9E25}"/>
+              </a:ext>
+            </a:extLst>
+          </p:cNvPr>
+          <p:cNvSpPr>
+            <a:spLocks noGrp="1"/>
+          </p:cNvSpPr>
+          <p:nvPr>
+            <p:ph type="sldNum" sz="quarter" idx="12"/>
+          </p:nvPr>
+        </p:nvSpPr>
+        <p:spPr/>
+        <p:txBody>
+          <a:bodyPr/>
+          <a:lstStyle/>
+          <a:p>
+            <a:fld id="{12557DE7-69BF-4263-AE6B-A95654E50E8C}" type="slidenum">
+              <a:rPr lang="zh-TW" altLang="en-US" smtClean="0"/>
+              <a:t>12</a:t>
+            </a:fld>
+            <a:endParaRPr lang="zh-TW" altLang="en-US"/>
+          </a:p>
+        </p:txBody>
+      </p:sp>
+      <p:pic>
+        <p:nvPicPr>
+          <p:cNvPr id="8" name="Picture 7" descr="A screenshot of a cell phone&#13;&#10;&#13;&#10;Description automatically generated">
+            <a:extLst>
+              <a:ext uri="{FF2B5EF4-FFF2-40B4-BE49-F238E27FC236}">
+                <a16:creationId xmlns:a16="http://schemas.microsoft.com/office/drawing/2014/main" id="{D2C17289-58D7-8A4B-89A3-C793C3DA04B0}"/>
+              </a:ext>
+            </a:extLst>
+          </p:cNvPr>
+          <p:cNvPicPr>
+            <a:picLocks noChangeAspect="1"/>
+          </p:cNvPicPr>
+          <p:nvPr/>
+        </p:nvPicPr>
+        <p:blipFill>
+          <a:blip r:embed="rId2">
+            <a:extLst>
+              <a:ext uri="{28A0092B-C50C-407E-A947-70E740481C1C}">
+                <a14:useLocalDpi xmlns:a14="http://schemas.microsoft.com/office/drawing/2010/main" val="0"/>
+              </a:ext>
+            </a:extLst>
+          </a:blip>
+          <a:stretch>
+            <a:fillRect/>
+          </a:stretch>
+        </p:blipFill>
+        <p:spPr>
+          <a:xfrm>
+            <a:off x="1997613" y="1187518"/>
+            <a:ext cx="7400778" cy="5020411"/>
+          </a:xfrm>
+          <a:prstGeom prst="rect">
+            <a:avLst/>
+          </a:prstGeom>
+        </p:spPr>
+      </p:pic>
+    </p:spTree>
+    <p:extLst>
+      <p:ext uri="{BB962C8B-B14F-4D97-AF65-F5344CB8AC3E}">
+        <p14:creationId xmlns:p14="http://schemas.microsoft.com/office/powerpoint/2010/main" val="2124538533"/>
+      </p:ext>
+    </p:extLst>
+  </p:cSld>
+  <p:clrMapOvr>
+    <a:masterClrMapping/>
+  </p:clrMapOvr>
+</p:sld>
+</file>
+
+<file path=ppt/slides/slide13.xml><?xml version="1.0" encoding="utf-8"?>
+<p:sld xmlns:a="http://schemas.openxmlformats.org/drawingml/2006/main" xmlns:r="http://schemas.openxmlformats.org/officeDocument/2006/relationships" xmlns:p="http://schemas.openxmlformats.org/presentationml/2006/main">
+  <p:cSld>
+    <p:bg>
+      <p:bgPr>
+        <a:solidFill>
+          <a:schemeClr val="bg1"/>
+        </a:solidFill>
+        <a:effectLst/>
+      </p:bgPr>
+    </p:bg>
+    <p:spTree>
+      <p:nvGrpSpPr>
+        <p:cNvPr id="1" name=""/>
+        <p:cNvGrpSpPr/>
+        <p:nvPr/>
+      </p:nvGrpSpPr>
+      <p:grpSpPr>
+        <a:xfrm>
+          <a:off x="0" y="0"/>
+          <a:ext cx="0" cy="0"/>
+          <a:chOff x="0" y="0"/>
+          <a:chExt cx="0" cy="0"/>
+        </a:xfrm>
+      </p:grpSpPr>
+      <p:sp>
+        <p:nvSpPr>
+          <p:cNvPr id="12" name="Rectangle 11">
+            <a:extLst>
+              <a:ext uri="{FF2B5EF4-FFF2-40B4-BE49-F238E27FC236}">
+                <a16:creationId xmlns:a16="http://schemas.microsoft.com/office/drawing/2014/main" id="{5434194B-EB56-4062-98C6-CB72F287E3F7}"/>
+              </a:ext>
+              <a:ext uri="{C183D7F6-B498-43B3-948B-1728B52AA6E4}">
+                <adec:decorative xmlns:adec="http://schemas.microsoft.com/office/drawing/2017/decorative" val="1"/>
+              </a:ext>
+            </a:extLst>
+          </p:cNvPr>
+          <p:cNvSpPr>
+            <a:spLocks noGrp="1" noRot="1" noChangeAspect="1" noMove="1" noResize="1" noEditPoints="1" noAdjustHandles="1" noChangeArrowheads="1" noChangeShapeType="1" noTextEdit="1"/>
+          </p:cNvSpPr>
+          <p:nvPr>
+            <p:extLst>
+              <p:ext uri="{386F3935-93C4-4BCD-93E2-E3B085C9AB24}">
+                <p16:designElem xmlns:p16="http://schemas.microsoft.com/office/powerpoint/2015/main" val="1"/>
+              </p:ext>
+            </p:extLst>
+          </p:nvPr>
+        </p:nvSpPr>
+        <p:spPr>
+          <a:xfrm>
+            <a:off x="1" y="0"/>
+            <a:ext cx="10022124" cy="6858000"/>
+          </a:xfrm>
+          <a:prstGeom prst="rect">
+            <a:avLst/>
+          </a:prstGeom>
+          <a:gradFill>
+            <a:gsLst>
+              <a:gs pos="0">
+                <a:schemeClr val="accent1">
+                  <a:lumMod val="100000"/>
+                  <a:alpha val="82000"/>
+                </a:schemeClr>
+              </a:gs>
+              <a:gs pos="25000">
+                <a:schemeClr val="accent1">
+                  <a:alpha val="60000"/>
+                </a:schemeClr>
+              </a:gs>
+              <a:gs pos="94000">
+                <a:schemeClr val="bg2">
+                  <a:lumMod val="75000"/>
+                </a:schemeClr>
+              </a:gs>
+              <a:gs pos="100000">
+                <a:schemeClr val="bg2">
+                  <a:lumMod val="75000"/>
+                </a:schemeClr>
+              </a:gs>
+            </a:gsLst>
+            <a:lin ang="4200000" scaled="0"/>
+          </a:gradFill>
+          <a:ln>
+            <a:noFill/>
+          </a:ln>
+        </p:spPr>
+        <p:style>
+          <a:lnRef idx="2">
+            <a:schemeClr val="accent1">
+              <a:shade val="50000"/>
+            </a:schemeClr>
+          </a:lnRef>
+          <a:fillRef idx="1">
+            <a:schemeClr val="accent1"/>
+          </a:fillRef>
+          <a:effectRef idx="0">
+            <a:schemeClr val="accent1"/>
+          </a:effectRef>
+          <a:fontRef idx="minor">
+            <a:schemeClr val="lt1"/>
+          </a:fontRef>
+        </p:style>
+        <p:txBody>
+          <a:bodyPr rtlCol="0" anchor="ctr"/>
+          <a:lstStyle/>
+          <a:p>
+            <a:pPr algn="ctr"/>
+            <a:endParaRPr lang="en-US"/>
+          </a:p>
+        </p:txBody>
+      </p:sp>
+      <p:pic>
+        <p:nvPicPr>
+          <p:cNvPr id="14" name="Picture 13">
+            <a:extLst>
+              <a:ext uri="{FF2B5EF4-FFF2-40B4-BE49-F238E27FC236}">
+                <a16:creationId xmlns:a16="http://schemas.microsoft.com/office/drawing/2014/main" id="{B3746DB1-35A8-422F-9955-4F8E75DBB077}"/>
+              </a:ext>
+              <a:ext uri="{C183D7F6-B498-43B3-948B-1728B52AA6E4}">
+                <adec:decorative xmlns:adec="http://schemas.microsoft.com/office/drawing/2017/decorative" val="1"/>
+              </a:ext>
+            </a:extLst>
+          </p:cNvPr>
+          <p:cNvPicPr>
+            <a:picLocks noGrp="1" noRot="1" noChangeAspect="1" noMove="1" noResize="1" noEditPoints="1" noAdjustHandles="1" noChangeArrowheads="1" noChangeShapeType="1" noCrop="1"/>
+          </p:cNvPicPr>
+          <p:nvPr>
+            <p:extLst>
+              <p:ext uri="{386F3935-93C4-4BCD-93E2-E3B085C9AB24}">
+                <p16:designElem xmlns:p16="http://schemas.microsoft.com/office/powerpoint/2015/main" val="1"/>
+              </p:ext>
+            </p:extLst>
+          </p:nvPr>
+        </p:nvPicPr>
+        <p:blipFill>
+          <a:blip r:embed="rId2">
+            <a:extLst>
+              <a:ext uri="{28A0092B-C50C-407E-A947-70E740481C1C}">
+                <a14:useLocalDpi xmlns:a14="http://schemas.microsoft.com/office/drawing/2010/main" val="0"/>
+              </a:ext>
+            </a:extLst>
+          </a:blip>
+          <a:stretch>
+            <a:fillRect/>
+          </a:stretch>
+        </p:blipFill>
+        <p:spPr>
+          <a:xfrm>
+            <a:off x="0" y="0"/>
+            <a:ext cx="12192000" cy="6858000"/>
+          </a:xfrm>
+          <a:prstGeom prst="rect">
+            <a:avLst/>
+          </a:prstGeom>
+        </p:spPr>
+      </p:pic>
+      <p:sp>
+        <p:nvSpPr>
+          <p:cNvPr id="5" name="文字方塊 4">
+            <a:extLst>
+              <a:ext uri="{FF2B5EF4-FFF2-40B4-BE49-F238E27FC236}">
+                <a16:creationId xmlns:a16="http://schemas.microsoft.com/office/drawing/2014/main" id="{FD213EEC-5973-4B66-910F-949B3065FEC8}"/>
+              </a:ext>
+            </a:extLst>
+          </p:cNvPr>
+          <p:cNvSpPr txBox="1"/>
+          <p:nvPr/>
+        </p:nvSpPr>
+        <p:spPr>
+          <a:xfrm>
+            <a:off x="6231013" y="4418827"/>
+            <a:ext cx="5946579" cy="1514185"/>
+          </a:xfrm>
+          <a:prstGeom prst="rect">
+            <a:avLst/>
+          </a:prstGeom>
+        </p:spPr>
+        <p:txBody>
+          <a:bodyPr vert="horz" lIns="91440" tIns="45720" rIns="91440" bIns="45720" rtlCol="0" anchor="t">
+            <a:normAutofit/>
+          </a:bodyPr>
+          <a:lstStyle/>
+          <a:p>
+            <a:pPr algn="r">
+              <a:lnSpc>
+                <a:spcPct val="90000"/>
+              </a:lnSpc>
+              <a:spcBef>
+                <a:spcPct val="0"/>
+              </a:spcBef>
+              <a:spcAft>
+                <a:spcPts val="600"/>
+              </a:spcAft>
+            </a:pPr>
+            <a:r>
+              <a:rPr lang="en-US" altLang="zh-TW" sz="4000" dirty="0">
+                <a:solidFill>
+                  <a:schemeClr val="accent1"/>
+                </a:solidFill>
+                <a:latin typeface="+mj-lt"/>
+                <a:ea typeface="+mj-ea"/>
+                <a:cs typeface="+mj-cs"/>
+              </a:rPr>
+              <a:t>140 Character reveals a lot</a:t>
+            </a:r>
+          </a:p>
+        </p:txBody>
+      </p:sp>
+      <p:sp>
+        <p:nvSpPr>
+          <p:cNvPr id="16" name="Freeform 57">
+            <a:extLst>
+              <a:ext uri="{FF2B5EF4-FFF2-40B4-BE49-F238E27FC236}">
+                <a16:creationId xmlns:a16="http://schemas.microsoft.com/office/drawing/2014/main" id="{B817D9AD-5E85-4E85-AC3E-43E24FA91AA1}"/>
+              </a:ext>
+              <a:ext uri="{C183D7F6-B498-43B3-948B-1728B52AA6E4}">
+                <adec:decorative xmlns:adec="http://schemas.microsoft.com/office/drawing/2017/decorative" val="1"/>
+              </a:ext>
+            </a:extLst>
+          </p:cNvPr>
+          <p:cNvSpPr>
+            <a:spLocks noGrp="1" noRot="1" noChangeAspect="1" noMove="1" noResize="1" noEditPoints="1" noAdjustHandles="1" noChangeArrowheads="1" noChangeShapeType="1" noTextEdit="1"/>
+          </p:cNvSpPr>
+          <p:nvPr>
+            <p:extLst>
+              <p:ext uri="{386F3935-93C4-4BCD-93E2-E3B085C9AB24}">
+                <p16:designElem xmlns:p16="http://schemas.microsoft.com/office/powerpoint/2015/main" val="1"/>
+              </p:ext>
+            </p:extLst>
+          </p:nvPr>
+        </p:nvSpPr>
+        <p:spPr>
+          <a:xfrm>
+            <a:off x="1" y="1580219"/>
+            <a:ext cx="4383459" cy="5287256"/>
+          </a:xfrm>
+          <a:custGeom>
+            <a:avLst/>
+            <a:gdLst>
+              <a:gd name="connsiteX0" fmla="*/ 1504462 w 4383459"/>
+              <a:gd name="connsiteY0" fmla="*/ 0 h 5287256"/>
+              <a:gd name="connsiteX1" fmla="*/ 4383459 w 4383459"/>
+              <a:gd name="connsiteY1" fmla="*/ 2878997 h 5287256"/>
+              <a:gd name="connsiteX2" fmla="*/ 3114137 w 4383459"/>
+              <a:gd name="connsiteY2" fmla="*/ 5266307 h 5287256"/>
+              <a:gd name="connsiteX3" fmla="*/ 3079653 w 4383459"/>
+              <a:gd name="connsiteY3" fmla="*/ 5287256 h 5287256"/>
+              <a:gd name="connsiteX4" fmla="*/ 0 w 4383459"/>
+              <a:gd name="connsiteY4" fmla="*/ 5287256 h 5287256"/>
+              <a:gd name="connsiteX5" fmla="*/ 0 w 4383459"/>
+              <a:gd name="connsiteY5" fmla="*/ 427769 h 5287256"/>
+              <a:gd name="connsiteX6" fmla="*/ 132161 w 4383459"/>
+              <a:gd name="connsiteY6" fmla="*/ 347480 h 5287256"/>
+              <a:gd name="connsiteX7" fmla="*/ 1504462 w 4383459"/>
+              <a:gd name="connsiteY7" fmla="*/ 0 h 5287256"/>
+            </a:gdLst>
+            <a:ahLst/>
+            <a:cxnLst>
+              <a:cxn ang="0">
+                <a:pos x="connsiteX0" y="connsiteY0"/>
+              </a:cxn>
+              <a:cxn ang="0">
+                <a:pos x="connsiteX1" y="connsiteY1"/>
+              </a:cxn>
+              <a:cxn ang="0">
+                <a:pos x="connsiteX2" y="connsiteY2"/>
+              </a:cxn>
+              <a:cxn ang="0">
+                <a:pos x="connsiteX3" y="connsiteY3"/>
+              </a:cxn>
+              <a:cxn ang="0">
+                <a:pos x="connsiteX4" y="connsiteY4"/>
+              </a:cxn>
+              <a:cxn ang="0">
+                <a:pos x="connsiteX5" y="connsiteY5"/>
+              </a:cxn>
+              <a:cxn ang="0">
+                <a:pos x="connsiteX6" y="connsiteY6"/>
+              </a:cxn>
+              <a:cxn ang="0">
+                <a:pos x="connsiteX7" y="connsiteY7"/>
+              </a:cxn>
+            </a:cxnLst>
+            <a:rect l="l" t="t" r="r" b="b"/>
+            <a:pathLst>
+              <a:path w="4383459" h="5287256">
+                <a:moveTo>
+                  <a:pt x="1504462" y="0"/>
+                </a:moveTo>
+                <a:cubicBezTo>
+                  <a:pt x="3094488" y="0"/>
+                  <a:pt x="4383459" y="1288971"/>
+                  <a:pt x="4383459" y="2878997"/>
+                </a:cubicBezTo>
+                <a:cubicBezTo>
+                  <a:pt x="4383459" y="3872763"/>
+                  <a:pt x="3879955" y="4748930"/>
+                  <a:pt x="3114137" y="5266307"/>
+                </a:cubicBezTo>
+                <a:lnTo>
+                  <a:pt x="3079653" y="5287256"/>
+                </a:lnTo>
+                <a:lnTo>
+                  <a:pt x="0" y="5287256"/>
+                </a:lnTo>
+                <a:lnTo>
+                  <a:pt x="0" y="427769"/>
+                </a:lnTo>
+                <a:lnTo>
+                  <a:pt x="132161" y="347480"/>
+                </a:lnTo>
+                <a:cubicBezTo>
+                  <a:pt x="540096" y="125876"/>
+                  <a:pt x="1007579" y="0"/>
+                  <a:pt x="1504462" y="0"/>
+                </a:cubicBezTo>
+                <a:close/>
+              </a:path>
+            </a:pathLst>
+          </a:custGeom>
+          <a:solidFill>
+            <a:srgbClr val="FFFFFF"/>
+          </a:solidFill>
+          <a:ln>
+            <a:gradFill>
+              <a:gsLst>
+                <a:gs pos="0">
+                  <a:schemeClr val="accent1">
+                    <a:lumMod val="40000"/>
+                    <a:lumOff val="60000"/>
+                  </a:schemeClr>
+                </a:gs>
+                <a:gs pos="23000">
+                  <a:schemeClr val="accent1">
+                    <a:lumMod val="45000"/>
+                    <a:lumOff val="55000"/>
+                  </a:schemeClr>
+                </a:gs>
+                <a:gs pos="83000">
+                  <a:schemeClr val="bg2">
+                    <a:lumMod val="75000"/>
+                  </a:schemeClr>
+                </a:gs>
+                <a:gs pos="100000">
+                  <a:schemeClr val="bg2">
+                    <a:lumMod val="75000"/>
+                  </a:schemeClr>
+                </a:gs>
+              </a:gsLst>
+              <a:lin ang="5400000" scaled="1"/>
+            </a:gradFill>
+          </a:ln>
+        </p:spPr>
+        <p:style>
+          <a:lnRef idx="2">
+            <a:schemeClr val="accent1">
+              <a:shade val="50000"/>
+            </a:schemeClr>
+          </a:lnRef>
+          <a:fillRef idx="1">
+            <a:schemeClr val="accent1"/>
+          </a:fillRef>
+          <a:effectRef idx="0">
+            <a:schemeClr val="accent1"/>
+          </a:effectRef>
+          <a:fontRef idx="minor">
+            <a:schemeClr val="lt1"/>
+          </a:fontRef>
+        </p:style>
+        <p:txBody>
+          <a:bodyPr wrap="square" rtlCol="0" anchor="ctr">
+            <a:noAutofit/>
+          </a:bodyPr>
+          <a:lstStyle/>
+          <a:p>
+            <a:pPr algn="ctr"/>
+            <a:endParaRPr lang="en-US"/>
+          </a:p>
+        </p:txBody>
+      </p:sp>
+      <p:sp>
+        <p:nvSpPr>
+          <p:cNvPr id="18" name="Freeform: Shape 17">
+            <a:extLst>
+              <a:ext uri="{FF2B5EF4-FFF2-40B4-BE49-F238E27FC236}">
+                <a16:creationId xmlns:a16="http://schemas.microsoft.com/office/drawing/2014/main" id="{F0810290-E788-4DE3-B716-DBE58CC6A8EF}"/>
+              </a:ext>
+              <a:ext uri="{C183D7F6-B498-43B3-948B-1728B52AA6E4}">
+                <adec:decorative xmlns:adec="http://schemas.microsoft.com/office/drawing/2017/decorative" val="1"/>
+              </a:ext>
+            </a:extLst>
+          </p:cNvPr>
+          <p:cNvSpPr>
+            <a:spLocks noGrp="1" noRot="1" noChangeAspect="1" noMove="1" noResize="1" noEditPoints="1" noAdjustHandles="1" noChangeArrowheads="1" noChangeShapeType="1" noTextEdit="1"/>
+          </p:cNvSpPr>
+          <p:nvPr>
+            <p:extLst>
+              <p:ext uri="{386F3935-93C4-4BCD-93E2-E3B085C9AB24}">
+                <p16:designElem xmlns:p16="http://schemas.microsoft.com/office/powerpoint/2015/main" val="1"/>
+              </p:ext>
+            </p:extLst>
+          </p:nvPr>
+        </p:nvSpPr>
+        <p:spPr>
+          <a:xfrm>
+            <a:off x="4712946" y="0"/>
+            <a:ext cx="4185112" cy="3170097"/>
+          </a:xfrm>
+          <a:custGeom>
+            <a:avLst/>
+            <a:gdLst>
+              <a:gd name="connsiteX0" fmla="*/ 301225 w 4185112"/>
+              <a:gd name="connsiteY0" fmla="*/ 0 h 3170097"/>
+              <a:gd name="connsiteX1" fmla="*/ 3883887 w 4185112"/>
+              <a:gd name="connsiteY1" fmla="*/ 0 h 3170097"/>
+              <a:gd name="connsiteX2" fmla="*/ 3932552 w 4185112"/>
+              <a:gd name="connsiteY2" fmla="*/ 80105 h 3170097"/>
+              <a:gd name="connsiteX3" fmla="*/ 4185112 w 4185112"/>
+              <a:gd name="connsiteY3" fmla="*/ 1077541 h 3170097"/>
+              <a:gd name="connsiteX4" fmla="*/ 2092556 w 4185112"/>
+              <a:gd name="connsiteY4" fmla="*/ 3170097 h 3170097"/>
+              <a:gd name="connsiteX5" fmla="*/ 0 w 4185112"/>
+              <a:gd name="connsiteY5" fmla="*/ 1077541 h 3170097"/>
+              <a:gd name="connsiteX6" fmla="*/ 252561 w 4185112"/>
+              <a:gd name="connsiteY6" fmla="*/ 80105 h 3170097"/>
+            </a:gdLst>
+            <a:ahLst/>
+            <a:cxnLst>
+              <a:cxn ang="0">
+                <a:pos x="connsiteX0" y="connsiteY0"/>
+              </a:cxn>
+              <a:cxn ang="0">
+                <a:pos x="connsiteX1" y="connsiteY1"/>
+              </a:cxn>
+              <a:cxn ang="0">
+                <a:pos x="connsiteX2" y="connsiteY2"/>
+              </a:cxn>
+              <a:cxn ang="0">
+                <a:pos x="connsiteX3" y="connsiteY3"/>
+              </a:cxn>
+              <a:cxn ang="0">
+                <a:pos x="connsiteX4" y="connsiteY4"/>
+              </a:cxn>
+              <a:cxn ang="0">
+                <a:pos x="connsiteX5" y="connsiteY5"/>
+              </a:cxn>
+              <a:cxn ang="0">
+                <a:pos x="connsiteX6" y="connsiteY6"/>
+              </a:cxn>
+            </a:cxnLst>
+            <a:rect l="l" t="t" r="r" b="b"/>
+            <a:pathLst>
+              <a:path w="4185112" h="3170097">
+                <a:moveTo>
+                  <a:pt x="301225" y="0"/>
+                </a:moveTo>
+                <a:lnTo>
+                  <a:pt x="3883887" y="0"/>
+                </a:lnTo>
+                <a:lnTo>
+                  <a:pt x="3932552" y="80105"/>
+                </a:lnTo>
+                <a:cubicBezTo>
+                  <a:pt x="4093621" y="376606"/>
+                  <a:pt x="4185112" y="716389"/>
+                  <a:pt x="4185112" y="1077541"/>
+                </a:cubicBezTo>
+                <a:cubicBezTo>
+                  <a:pt x="4185112" y="2233228"/>
+                  <a:pt x="3248243" y="3170097"/>
+                  <a:pt x="2092556" y="3170097"/>
+                </a:cubicBezTo>
+                <a:cubicBezTo>
+                  <a:pt x="936869" y="3170097"/>
+                  <a:pt x="0" y="2233228"/>
+                  <a:pt x="0" y="1077541"/>
+                </a:cubicBezTo>
+                <a:cubicBezTo>
+                  <a:pt x="0" y="716389"/>
+                  <a:pt x="91491" y="376606"/>
+                  <a:pt x="252561" y="80105"/>
+                </a:cubicBezTo>
+                <a:close/>
+              </a:path>
+            </a:pathLst>
+          </a:custGeom>
+          <a:solidFill>
+            <a:srgbClr val="FFFFFF"/>
+          </a:solidFill>
+          <a:ln>
+            <a:gradFill>
+              <a:gsLst>
+                <a:gs pos="0">
+                  <a:schemeClr val="accent1">
+                    <a:lumMod val="40000"/>
+                    <a:lumOff val="60000"/>
+                  </a:schemeClr>
+                </a:gs>
+                <a:gs pos="23000">
+                  <a:schemeClr val="accent1">
+                    <a:lumMod val="45000"/>
+                    <a:lumOff val="55000"/>
+                  </a:schemeClr>
+                </a:gs>
+                <a:gs pos="83000">
+                  <a:schemeClr val="bg2">
+                    <a:lumMod val="75000"/>
+                  </a:schemeClr>
+                </a:gs>
+                <a:gs pos="100000">
+                  <a:schemeClr val="bg2">
+                    <a:lumMod val="75000"/>
+                  </a:schemeClr>
+                </a:gs>
+              </a:gsLst>
+              <a:lin ang="5400000" scaled="1"/>
+            </a:gradFill>
+          </a:ln>
+        </p:spPr>
+        <p:style>
+          <a:lnRef idx="2">
+            <a:schemeClr val="accent1">
+              <a:shade val="50000"/>
+            </a:schemeClr>
+          </a:lnRef>
+          <a:fillRef idx="1">
+            <a:schemeClr val="accent1"/>
+          </a:fillRef>
+          <a:effectRef idx="0">
+            <a:schemeClr val="accent1"/>
+          </a:effectRef>
+          <a:fontRef idx="minor">
+            <a:schemeClr val="lt1"/>
+          </a:fontRef>
+        </p:style>
+        <p:txBody>
+          <a:bodyPr wrap="square" rtlCol="0" anchor="ctr">
+            <a:noAutofit/>
+          </a:bodyPr>
+          <a:lstStyle/>
+          <a:p>
+            <a:pPr algn="ctr"/>
+            <a:endParaRPr lang="en-US"/>
+          </a:p>
+        </p:txBody>
+      </p:sp>
+      <p:pic>
+        <p:nvPicPr>
+          <p:cNvPr id="3" name="Picture 2" descr="A screenshot of a cell phone&#10;&#10;Description automatically generated">
+            <a:extLst>
+              <a:ext uri="{FF2B5EF4-FFF2-40B4-BE49-F238E27FC236}">
+                <a16:creationId xmlns:a16="http://schemas.microsoft.com/office/drawing/2014/main" id="{2F71B2BA-71B0-714C-A0C3-047A436D982A}"/>
+              </a:ext>
+            </a:extLst>
+          </p:cNvPr>
+          <p:cNvPicPr>
+            <a:picLocks noChangeAspect="1"/>
+          </p:cNvPicPr>
+          <p:nvPr/>
+        </p:nvPicPr>
+        <p:blipFill>
+          <a:blip r:embed="rId3">
+            <a:extLst>
+              <a:ext uri="{28A0092B-C50C-407E-A947-70E740481C1C}">
+                <a14:useLocalDpi xmlns:a14="http://schemas.microsoft.com/office/drawing/2010/main" val="0"/>
+              </a:ext>
+            </a:extLst>
+          </a:blip>
+          <a:stretch>
+            <a:fillRect/>
+          </a:stretch>
+        </p:blipFill>
+        <p:spPr>
+          <a:xfrm>
+            <a:off x="5525311" y="109310"/>
+            <a:ext cx="2537491" cy="2537491"/>
+          </a:xfrm>
+          <a:prstGeom prst="rect">
+            <a:avLst/>
+          </a:prstGeom>
+        </p:spPr>
+      </p:pic>
+      <p:sp>
+        <p:nvSpPr>
+          <p:cNvPr id="6" name="投影片編號版面配置區 5">
+            <a:extLst>
+              <a:ext uri="{FF2B5EF4-FFF2-40B4-BE49-F238E27FC236}">
+                <a16:creationId xmlns:a16="http://schemas.microsoft.com/office/drawing/2014/main" id="{9B748110-F0A5-45FD-AF41-F5145614443E}"/>
+              </a:ext>
+            </a:extLst>
+          </p:cNvPr>
+          <p:cNvSpPr>
+            <a:spLocks noGrp="1"/>
+          </p:cNvSpPr>
+          <p:nvPr>
+            <p:ph type="sldNum" sz="quarter" idx="12"/>
+          </p:nvPr>
+        </p:nvSpPr>
+        <p:spPr>
+          <a:xfrm>
+            <a:off x="10825930" y="6223702"/>
+            <a:ext cx="570728" cy="314067"/>
+          </a:xfrm>
+        </p:spPr>
+        <p:txBody>
+          <a:bodyPr vert="horz" lIns="91440" tIns="45720" rIns="91440" bIns="45720" rtlCol="0" anchor="ctr">
+            <a:normAutofit/>
+          </a:bodyPr>
+          <a:lstStyle/>
+          <a:p>
+            <a:pPr>
+              <a:spcAft>
+                <a:spcPts val="600"/>
+              </a:spcAft>
+            </a:pPr>
+            <a:fld id="{12557DE7-69BF-4263-AE6B-A95654E50E8C}" type="slidenum">
+              <a:rPr lang="en-US" altLang="zh-TW">
+                <a:solidFill>
+                  <a:srgbClr val="898989"/>
+                </a:solidFill>
+              </a:rPr>
+              <a:pPr>
+                <a:spcAft>
+                  <a:spcPts val="600"/>
+                </a:spcAft>
+              </a:pPr>
+              <a:t>13</a:t>
+            </a:fld>
+            <a:endParaRPr lang="en-US" altLang="zh-TW">
+              <a:solidFill>
+                <a:srgbClr val="898989"/>
+              </a:solidFill>
+            </a:endParaRPr>
+          </a:p>
+        </p:txBody>
+      </p:sp>
+      <p:sp>
+        <p:nvSpPr>
+          <p:cNvPr id="8" name="TextBox 7">
+            <a:extLst>
+              <a:ext uri="{FF2B5EF4-FFF2-40B4-BE49-F238E27FC236}">
+                <a16:creationId xmlns:a16="http://schemas.microsoft.com/office/drawing/2014/main" id="{1BDCFA27-4B57-7F4F-A644-B79927DEE7FA}"/>
+              </a:ext>
+            </a:extLst>
+          </p:cNvPr>
+          <p:cNvSpPr txBox="1"/>
+          <p:nvPr/>
+        </p:nvSpPr>
+        <p:spPr>
+          <a:xfrm>
+            <a:off x="9523379" y="447472"/>
+            <a:ext cx="2405210" cy="923330"/>
+          </a:xfrm>
+          <a:prstGeom prst="rect">
+            <a:avLst/>
+          </a:prstGeom>
+          <a:noFill/>
+        </p:spPr>
+        <p:txBody>
+          <a:bodyPr wrap="none" rtlCol="0">
+            <a:spAutoFit/>
+          </a:bodyPr>
+          <a:lstStyle/>
+          <a:p>
+            <a:r>
+              <a:rPr lang="en-US" dirty="0">
+                <a:solidFill>
+                  <a:schemeClr val="accent1"/>
+                </a:solidFill>
+              </a:rPr>
+              <a:t>Laura Chinchilla</a:t>
+            </a:r>
+          </a:p>
+          <a:p>
+            <a:r>
+              <a:rPr lang="en-US" dirty="0">
+                <a:solidFill>
+                  <a:schemeClr val="accent1"/>
+                </a:solidFill>
+              </a:rPr>
+              <a:t>President of Costa Rica</a:t>
+            </a:r>
+          </a:p>
+          <a:p>
+            <a:r>
+              <a:rPr lang="en-US" dirty="0">
+                <a:solidFill>
+                  <a:schemeClr val="accent1"/>
+                </a:solidFill>
+              </a:rPr>
+              <a:t>(2010-2014)</a:t>
+            </a:r>
+          </a:p>
+        </p:txBody>
+      </p:sp>
+      <p:sp>
+        <p:nvSpPr>
+          <p:cNvPr id="13" name="TextBox 12">
+            <a:extLst>
+              <a:ext uri="{FF2B5EF4-FFF2-40B4-BE49-F238E27FC236}">
+                <a16:creationId xmlns:a16="http://schemas.microsoft.com/office/drawing/2014/main" id="{793ACD03-FF17-EF41-A153-7C65B8FD25BF}"/>
+              </a:ext>
+            </a:extLst>
+          </p:cNvPr>
+          <p:cNvSpPr txBox="1"/>
+          <p:nvPr/>
+        </p:nvSpPr>
+        <p:spPr>
+          <a:xfrm>
+            <a:off x="4480442" y="5762037"/>
+            <a:ext cx="2325060" cy="923330"/>
+          </a:xfrm>
+          <a:prstGeom prst="rect">
+            <a:avLst/>
+          </a:prstGeom>
+          <a:noFill/>
+        </p:spPr>
+        <p:txBody>
+          <a:bodyPr wrap="none" rtlCol="0">
+            <a:spAutoFit/>
+          </a:bodyPr>
+          <a:lstStyle/>
+          <a:p>
+            <a:r>
+              <a:rPr lang="en-US" dirty="0">
+                <a:solidFill>
+                  <a:schemeClr val="accent1"/>
+                </a:solidFill>
+              </a:rPr>
+              <a:t>Luis Guillermo Solis</a:t>
+            </a:r>
+          </a:p>
+          <a:p>
+            <a:r>
+              <a:rPr lang="en-US" dirty="0">
+                <a:solidFill>
+                  <a:schemeClr val="accent1"/>
+                </a:solidFill>
+              </a:rPr>
+              <a:t>President of Costa Rica</a:t>
+            </a:r>
+          </a:p>
+          <a:p>
+            <a:r>
+              <a:rPr lang="en-US" dirty="0">
+                <a:solidFill>
+                  <a:schemeClr val="accent1"/>
+                </a:solidFill>
+              </a:rPr>
+              <a:t>(2014-2018)</a:t>
+            </a:r>
+          </a:p>
+        </p:txBody>
+      </p:sp>
+      <p:pic>
+        <p:nvPicPr>
+          <p:cNvPr id="11" name="Picture 10" descr="A screenshot of a cell phone&#13;&#10;&#13;&#10;Description automatically generated">
+            <a:extLst>
+              <a:ext uri="{FF2B5EF4-FFF2-40B4-BE49-F238E27FC236}">
+                <a16:creationId xmlns:a16="http://schemas.microsoft.com/office/drawing/2014/main" id="{0A6B6DE7-7A8F-014D-84FB-230AAEC87133}"/>
+              </a:ext>
+            </a:extLst>
+          </p:cNvPr>
+          <p:cNvPicPr>
+            <a:picLocks noChangeAspect="1"/>
+          </p:cNvPicPr>
+          <p:nvPr/>
+        </p:nvPicPr>
+        <p:blipFill>
+          <a:blip r:embed="rId4">
+            <a:extLst>
+              <a:ext uri="{28A0092B-C50C-407E-A947-70E740481C1C}">
+                <a14:useLocalDpi xmlns:a14="http://schemas.microsoft.com/office/drawing/2010/main" val="0"/>
+              </a:ext>
+            </a:extLst>
+          </a:blip>
+          <a:stretch>
+            <a:fillRect/>
+          </a:stretch>
+        </p:blipFill>
+        <p:spPr>
+          <a:xfrm>
+            <a:off x="14408" y="2760233"/>
+            <a:ext cx="3574471" cy="3574471"/>
+          </a:xfrm>
+          <a:prstGeom prst="rect">
+            <a:avLst/>
+          </a:prstGeom>
+        </p:spPr>
+      </p:pic>
+      <p:pic>
+        <p:nvPicPr>
+          <p:cNvPr id="17" name="Picture 16">
+            <a:extLst>
+              <a:ext uri="{FF2B5EF4-FFF2-40B4-BE49-F238E27FC236}">
+                <a16:creationId xmlns:a16="http://schemas.microsoft.com/office/drawing/2014/main" id="{5BDD7394-C864-E540-B9F0-F5F82C760356}"/>
+              </a:ext>
+            </a:extLst>
+          </p:cNvPr>
+          <p:cNvPicPr>
+            <a:picLocks noChangeAspect="1"/>
+          </p:cNvPicPr>
+          <p:nvPr/>
+        </p:nvPicPr>
+        <p:blipFill>
+          <a:blip r:embed="rId5">
+            <a:extLst>
+              <a:ext uri="{28A0092B-C50C-407E-A947-70E740481C1C}">
+                <a14:useLocalDpi xmlns:a14="http://schemas.microsoft.com/office/drawing/2010/main" val="0"/>
+              </a:ext>
+            </a:extLst>
+          </a:blip>
+          <a:stretch>
+            <a:fillRect/>
+          </a:stretch>
+        </p:blipFill>
+        <p:spPr>
+          <a:xfrm>
+            <a:off x="4980012" y="3869336"/>
+            <a:ext cx="1825490" cy="1825490"/>
+          </a:xfrm>
+          <a:prstGeom prst="rect">
+            <a:avLst/>
+          </a:prstGeom>
+        </p:spPr>
+      </p:pic>
+    </p:spTree>
+    <p:extLst>
+      <p:ext uri="{BB962C8B-B14F-4D97-AF65-F5344CB8AC3E}">
+        <p14:creationId xmlns:p14="http://schemas.microsoft.com/office/powerpoint/2010/main" val="3409448578"/>
+      </p:ext>
+    </p:extLst>
+  </p:cSld>
+  <p:clrMapOvr>
+    <a:masterClrMapping/>
+  </p:clrMapOvr>
+</p:sld>
+</file>
+
+<file path=ppt/slides/slide14.xml><?xml version="1.0" encoding="utf-8"?>
+<p:sld xmlns:a="http://schemas.openxmlformats.org/drawingml/2006/main" xmlns:r="http://schemas.openxmlformats.org/officeDocument/2006/relationships" xmlns:p="http://schemas.openxmlformats.org/presentationml/2006/main">
+  <p:cSld>
+    <p:spTree>
+      <p:nvGrpSpPr>
+        <p:cNvPr id="1" name=""/>
+        <p:cNvGrpSpPr/>
+        <p:nvPr/>
+      </p:nvGrpSpPr>
+      <p:grpSpPr>
+        <a:xfrm>
+          <a:off x="0" y="0"/>
+          <a:ext cx="0" cy="0"/>
+          <a:chOff x="0" y="0"/>
+          <a:chExt cx="0" cy="0"/>
+        </a:xfrm>
+      </p:grpSpPr>
+      <p:sp>
+        <p:nvSpPr>
+          <p:cNvPr id="5" name="文字方塊 4">
+            <a:extLst>
+              <a:ext uri="{FF2B5EF4-FFF2-40B4-BE49-F238E27FC236}">
+                <a16:creationId xmlns:a16="http://schemas.microsoft.com/office/drawing/2014/main" id="{FD213EEC-5973-4B66-910F-949B3065FEC8}"/>
+              </a:ext>
+            </a:extLst>
+          </p:cNvPr>
+          <p:cNvSpPr txBox="1"/>
+          <p:nvPr/>
+        </p:nvSpPr>
+        <p:spPr>
+          <a:xfrm>
+            <a:off x="488210" y="392766"/>
+            <a:ext cx="8286139" cy="646331"/>
+          </a:xfrm>
+          <a:prstGeom prst="rect">
+            <a:avLst/>
+          </a:prstGeom>
+          <a:noFill/>
+        </p:spPr>
+        <p:txBody>
+          <a:bodyPr wrap="square" rtlCol="0">
+            <a:spAutoFit/>
+          </a:bodyPr>
+          <a:lstStyle/>
+          <a:p>
+            <a:r>
+              <a:rPr lang="en-US" altLang="zh-TW" sz="3600" dirty="0">
+                <a:solidFill>
+                  <a:schemeClr val="accent1"/>
+                </a:solidFill>
+                <a:latin typeface="Times New Roman" panose="02020603050405020304" pitchFamily="18" charset="0"/>
+                <a:cs typeface="Times New Roman" panose="02020603050405020304" pitchFamily="18" charset="0"/>
+              </a:rPr>
+              <a:t>Poverty Levels during different Tenures’</a:t>
+            </a:r>
+          </a:p>
+        </p:txBody>
+      </p:sp>
+      <p:sp>
+        <p:nvSpPr>
+          <p:cNvPr id="6" name="投影片編號版面配置區 5">
+            <a:extLst>
+              <a:ext uri="{FF2B5EF4-FFF2-40B4-BE49-F238E27FC236}">
+                <a16:creationId xmlns:a16="http://schemas.microsoft.com/office/drawing/2014/main" id="{9B748110-F0A5-45FD-AF41-F5145614443E}"/>
+              </a:ext>
+            </a:extLst>
+          </p:cNvPr>
+          <p:cNvSpPr>
+            <a:spLocks noGrp="1"/>
+          </p:cNvSpPr>
+          <p:nvPr>
+            <p:ph type="sldNum" sz="quarter" idx="12"/>
+          </p:nvPr>
+        </p:nvSpPr>
+        <p:spPr/>
+        <p:txBody>
+          <a:bodyPr/>
+          <a:lstStyle/>
+          <a:p>
+            <a:fld id="{12557DE7-69BF-4263-AE6B-A95654E50E8C}" type="slidenum">
+              <a:rPr lang="zh-TW" altLang="en-US" smtClean="0"/>
+              <a:t>14</a:t>
+            </a:fld>
+            <a:endParaRPr lang="zh-TW" altLang="en-US"/>
+          </a:p>
+        </p:txBody>
+      </p:sp>
+      <p:pic>
+        <p:nvPicPr>
+          <p:cNvPr id="3" name="Picture 2" descr="A close up of text on a white background&#13;&#10;&#13;&#10;Description automatically generated">
+            <a:extLst>
+              <a:ext uri="{FF2B5EF4-FFF2-40B4-BE49-F238E27FC236}">
+                <a16:creationId xmlns:a16="http://schemas.microsoft.com/office/drawing/2014/main" id="{748EFCA5-AFDD-D74E-9203-4304C230862C}"/>
+              </a:ext>
+            </a:extLst>
+          </p:cNvPr>
+          <p:cNvPicPr>
+            <a:picLocks noChangeAspect="1"/>
+          </p:cNvPicPr>
+          <p:nvPr/>
+        </p:nvPicPr>
+        <p:blipFill>
+          <a:blip r:embed="rId2">
+            <a:extLst>
+              <a:ext uri="{28A0092B-C50C-407E-A947-70E740481C1C}">
+                <a14:useLocalDpi xmlns:a14="http://schemas.microsoft.com/office/drawing/2010/main" val="0"/>
+              </a:ext>
+            </a:extLst>
+          </a:blip>
+          <a:stretch>
+            <a:fillRect/>
+          </a:stretch>
+        </p:blipFill>
+        <p:spPr>
+          <a:xfrm>
+            <a:off x="6345327" y="1192671"/>
+            <a:ext cx="5133910" cy="5272564"/>
+          </a:xfrm>
+          <a:prstGeom prst="rect">
+            <a:avLst/>
+          </a:prstGeom>
+        </p:spPr>
+      </p:pic>
+      <p:pic>
+        <p:nvPicPr>
+          <p:cNvPr id="8" name="Picture 7" descr="A close up of a map&#13;&#10;&#13;&#10;Description automatically generated">
+            <a:extLst>
+              <a:ext uri="{FF2B5EF4-FFF2-40B4-BE49-F238E27FC236}">
+                <a16:creationId xmlns:a16="http://schemas.microsoft.com/office/drawing/2014/main" id="{B96E357F-07AD-D042-86CA-3C63FC72D889}"/>
+              </a:ext>
+            </a:extLst>
+          </p:cNvPr>
+          <p:cNvPicPr>
+            <a:picLocks noChangeAspect="1"/>
+          </p:cNvPicPr>
+          <p:nvPr/>
+        </p:nvPicPr>
+        <p:blipFill>
+          <a:blip r:embed="rId3">
+            <a:extLst>
+              <a:ext uri="{28A0092B-C50C-407E-A947-70E740481C1C}">
+                <a14:useLocalDpi xmlns:a14="http://schemas.microsoft.com/office/drawing/2010/main" val="0"/>
+              </a:ext>
+            </a:extLst>
+          </a:blip>
+          <a:stretch>
+            <a:fillRect/>
+          </a:stretch>
+        </p:blipFill>
+        <p:spPr>
+          <a:xfrm>
+            <a:off x="988630" y="1192670"/>
+            <a:ext cx="5011380" cy="5346242"/>
+          </a:xfrm>
+          <a:prstGeom prst="rect">
+            <a:avLst/>
+          </a:prstGeom>
+        </p:spPr>
+      </p:pic>
+    </p:spTree>
+    <p:extLst>
+      <p:ext uri="{BB962C8B-B14F-4D97-AF65-F5344CB8AC3E}">
+        <p14:creationId xmlns:p14="http://schemas.microsoft.com/office/powerpoint/2010/main" val="4212300039"/>
+      </p:ext>
+    </p:extLst>
+  </p:cSld>
+  <p:clrMapOvr>
+    <a:masterClrMapping/>
+  </p:clrMapOvr>
+</p:sld>
+</file>
+
+<file path=ppt/slides/slide15.xml><?xml version="1.0" encoding="utf-8"?>
+<p:sld xmlns:a="http://schemas.openxmlformats.org/drawingml/2006/main" xmlns:r="http://schemas.openxmlformats.org/officeDocument/2006/relationships" xmlns:p="http://schemas.openxmlformats.org/presentationml/2006/main">
+  <p:cSld>
+    <p:spTree>
+      <p:nvGrpSpPr>
+        <p:cNvPr id="1" name=""/>
+        <p:cNvGrpSpPr/>
+        <p:nvPr/>
+      </p:nvGrpSpPr>
+      <p:grpSpPr>
+        <a:xfrm>
+          <a:off x="0" y="0"/>
+          <a:ext cx="0" cy="0"/>
+          <a:chOff x="0" y="0"/>
+          <a:chExt cx="0" cy="0"/>
+        </a:xfrm>
+      </p:grpSpPr>
+      <p:sp>
+        <p:nvSpPr>
+          <p:cNvPr id="3" name="文字方塊 2">
+            <a:extLst>
+              <a:ext uri="{FF2B5EF4-FFF2-40B4-BE49-F238E27FC236}">
+                <a16:creationId xmlns:a16="http://schemas.microsoft.com/office/drawing/2014/main" id="{B262D88C-58EE-4DB5-842A-F0093567B95D}"/>
+              </a:ext>
+            </a:extLst>
+          </p:cNvPr>
+          <p:cNvSpPr txBox="1"/>
+          <p:nvPr/>
+        </p:nvSpPr>
+        <p:spPr>
+          <a:xfrm>
+            <a:off x="488210" y="392766"/>
+            <a:ext cx="2564955" cy="646331"/>
+          </a:xfrm>
+          <a:prstGeom prst="rect">
+            <a:avLst/>
+          </a:prstGeom>
+          <a:noFill/>
+        </p:spPr>
+        <p:txBody>
+          <a:bodyPr wrap="square" rtlCol="0">
+            <a:spAutoFit/>
+          </a:bodyPr>
+          <a:lstStyle/>
+          <a:p>
+            <a:r>
+              <a:rPr lang="en-US" altLang="zh-TW" sz="3600" dirty="0">
+                <a:solidFill>
+                  <a:schemeClr val="accent1"/>
+                </a:solidFill>
+                <a:latin typeface="Times New Roman" panose="02020603050405020304" pitchFamily="18" charset="0"/>
+                <a:cs typeface="Times New Roman" panose="02020603050405020304" pitchFamily="18" charset="0"/>
+              </a:rPr>
+              <a:t>Conclusion</a:t>
+            </a:r>
+          </a:p>
+        </p:txBody>
+      </p:sp>
+      <p:sp>
+        <p:nvSpPr>
+          <p:cNvPr id="4" name="投影片編號版面配置區 3">
+            <a:extLst>
+              <a:ext uri="{FF2B5EF4-FFF2-40B4-BE49-F238E27FC236}">
+                <a16:creationId xmlns:a16="http://schemas.microsoft.com/office/drawing/2014/main" id="{E73958CB-72F7-4968-962D-9B3A56F39C5A}"/>
+              </a:ext>
+            </a:extLst>
+          </p:cNvPr>
+          <p:cNvSpPr>
+            <a:spLocks noGrp="1"/>
+          </p:cNvSpPr>
+          <p:nvPr>
+            <p:ph type="sldNum" sz="quarter" idx="12"/>
+          </p:nvPr>
+        </p:nvSpPr>
+        <p:spPr/>
+        <p:txBody>
+          <a:bodyPr/>
+          <a:lstStyle/>
+          <a:p>
+            <a:fld id="{12557DE7-69BF-4263-AE6B-A95654E50E8C}" type="slidenum">
+              <a:rPr lang="zh-TW" altLang="en-US" smtClean="0"/>
+              <a:t>15</a:t>
+            </a:fld>
+            <a:endParaRPr lang="zh-TW" altLang="en-US"/>
+          </a:p>
+        </p:txBody>
+      </p:sp>
+      <p:sp>
+        <p:nvSpPr>
+          <p:cNvPr id="2" name="TextBox 1">
+            <a:extLst>
+              <a:ext uri="{FF2B5EF4-FFF2-40B4-BE49-F238E27FC236}">
+                <a16:creationId xmlns:a16="http://schemas.microsoft.com/office/drawing/2014/main" id="{18B75227-01FA-654D-A550-3EEA5C78A085}"/>
+              </a:ext>
+            </a:extLst>
+          </p:cNvPr>
+          <p:cNvSpPr txBox="1"/>
+          <p:nvPr/>
+        </p:nvSpPr>
+        <p:spPr>
+          <a:xfrm>
+            <a:off x="702637" y="2090172"/>
+            <a:ext cx="10129487" cy="3046988"/>
+          </a:xfrm>
+          <a:prstGeom prst="rect">
+            <a:avLst/>
+          </a:prstGeom>
+          <a:noFill/>
+        </p:spPr>
+        <p:txBody>
+          <a:bodyPr wrap="square" rtlCol="0">
+            <a:spAutoFit/>
+          </a:bodyPr>
+          <a:lstStyle/>
+          <a:p>
+            <a:pPr marL="285750" indent="-285750">
+              <a:buFont typeface="Arial" panose="020B0604020202020204" pitchFamily="34" charset="0"/>
+              <a:buChar char="•"/>
+            </a:pPr>
+            <a:r>
+              <a:rPr lang="en-US" sz="2400" dirty="0">
+                <a:solidFill>
+                  <a:schemeClr val="accent1"/>
+                </a:solidFill>
+              </a:rPr>
+              <a:t>We can conclude that the government has a big role to play to overcome poverty in Costa Rica.</a:t>
+            </a:r>
+          </a:p>
+          <a:p>
+            <a:pPr marL="285750" indent="-285750">
+              <a:buFont typeface="Arial" panose="020B0604020202020204" pitchFamily="34" charset="0"/>
+              <a:buChar char="•"/>
+            </a:pPr>
+            <a:r>
+              <a:rPr lang="en-US" sz="2400" dirty="0">
+                <a:solidFill>
+                  <a:schemeClr val="accent1"/>
+                </a:solidFill>
+              </a:rPr>
+              <a:t>New Industries needs to be setup to increase per capita income</a:t>
+            </a:r>
+          </a:p>
+          <a:p>
+            <a:pPr marL="285750" indent="-285750">
+              <a:buFont typeface="Arial" panose="020B0604020202020204" pitchFamily="34" charset="0"/>
+              <a:buChar char="•"/>
+            </a:pPr>
+            <a:r>
+              <a:rPr lang="en-US" sz="2400" dirty="0">
+                <a:solidFill>
+                  <a:schemeClr val="accent1"/>
+                </a:solidFill>
+              </a:rPr>
+              <a:t>Income Inequality continues to grow further</a:t>
+            </a:r>
+          </a:p>
+          <a:p>
+            <a:pPr marL="285750" indent="-285750">
+              <a:buFont typeface="Arial" panose="020B0604020202020204" pitchFamily="34" charset="0"/>
+              <a:buChar char="•"/>
+            </a:pPr>
+            <a:r>
+              <a:rPr lang="en-US" sz="2400" dirty="0">
+                <a:solidFill>
+                  <a:schemeClr val="accent1"/>
+                </a:solidFill>
+              </a:rPr>
+              <a:t>Education has a huge role to play and the government needs to focus in this direction.</a:t>
+            </a:r>
+          </a:p>
+          <a:p>
+            <a:pPr marL="285750" indent="-285750">
+              <a:buFont typeface="Arial" panose="020B0604020202020204" pitchFamily="34" charset="0"/>
+              <a:buChar char="•"/>
+            </a:pPr>
+            <a:r>
+              <a:rPr lang="en-US" sz="2400" dirty="0">
+                <a:solidFill>
+                  <a:schemeClr val="accent1"/>
+                </a:solidFill>
+              </a:rPr>
+              <a:t>Housing is another one of the important poverty indicators and steps needs to be taken to improve that</a:t>
+            </a:r>
+            <a:r>
+              <a:rPr lang="en-US" sz="2400" dirty="0"/>
+              <a:t>.</a:t>
+            </a:r>
+          </a:p>
+        </p:txBody>
+      </p:sp>
+    </p:spTree>
+    <p:extLst>
+      <p:ext uri="{BB962C8B-B14F-4D97-AF65-F5344CB8AC3E}">
+        <p14:creationId xmlns:p14="http://schemas.microsoft.com/office/powerpoint/2010/main" val="1723188955"/>
       </p:ext>
     </p:extLst>
   </p:cSld>
@@ -12365,10 +14062,13 @@
           <a:p>
             <a:r>
               <a:rPr lang="en-US" altLang="zh-TW" sz="3600" dirty="0">
+                <a:solidFill>
+                  <a:schemeClr val="accent1"/>
+                </a:solidFill>
                 <a:latin typeface="Times New Roman" panose="02020603050405020304" pitchFamily="18" charset="0"/>
                 <a:cs typeface="Times New Roman" panose="02020603050405020304" pitchFamily="18" charset="0"/>
               </a:rPr>
-              <a:t>Introduction for Costa Rica</a:t>
+              <a:t>Introduction</a:t>
             </a:r>
           </a:p>
         </p:txBody>
@@ -12465,6 +14165,9 @@
             </a:pPr>
             <a:r>
               <a:rPr lang="en-US" altLang="zh-TW" sz="2400" dirty="0">
+                <a:solidFill>
+                  <a:schemeClr val="accent1"/>
+                </a:solidFill>
                 <a:latin typeface="Times New Roman" panose="02020603050405020304" pitchFamily="18" charset="0"/>
                 <a:cs typeface="Times New Roman" panose="02020603050405020304" pitchFamily="18" charset="0"/>
               </a:rPr>
@@ -12476,6 +14179,9 @@
               <a:buAutoNum type="arabicPeriod"/>
             </a:pPr>
             <a:endParaRPr lang="en-US" altLang="zh-TW" sz="2400" dirty="0">
+              <a:solidFill>
+                <a:schemeClr val="accent1"/>
+              </a:solidFill>
               <a:latin typeface="Times New Roman" panose="02020603050405020304" pitchFamily="18" charset="0"/>
               <a:cs typeface="Times New Roman" panose="02020603050405020304" pitchFamily="18" charset="0"/>
             </a:endParaRPr>
@@ -12486,6 +14192,9 @@
             </a:pPr>
             <a:r>
               <a:rPr lang="en-US" altLang="zh-TW" sz="2400" dirty="0">
+                <a:solidFill>
+                  <a:schemeClr val="accent1"/>
+                </a:solidFill>
                 <a:latin typeface="Times New Roman" panose="02020603050405020304" pitchFamily="18" charset="0"/>
                 <a:cs typeface="Times New Roman" panose="02020603050405020304" pitchFamily="18" charset="0"/>
               </a:rPr>
@@ -12493,6 +14202,9 @@
             </a:r>
             <a:r>
               <a:rPr lang="en-US" altLang="zh-TW" sz="2400" baseline="30000" dirty="0">
+                <a:solidFill>
+                  <a:schemeClr val="accent1"/>
+                </a:solidFill>
                 <a:latin typeface="Times New Roman" panose="02020603050405020304" pitchFamily="18" charset="0"/>
                 <a:cs typeface="Times New Roman" panose="02020603050405020304" pitchFamily="18" charset="0"/>
               </a:rPr>
@@ -12500,6 +14212,9 @@
             </a:r>
             <a:r>
               <a:rPr lang="en-US" altLang="zh-TW" sz="2400" dirty="0">
+                <a:solidFill>
+                  <a:schemeClr val="accent1"/>
+                </a:solidFill>
                 <a:latin typeface="Times New Roman" panose="02020603050405020304" pitchFamily="18" charset="0"/>
                 <a:cs typeface="Times New Roman" panose="02020603050405020304" pitchFamily="18" charset="0"/>
               </a:rPr>
@@ -12511,6 +14226,9 @@
               <a:buAutoNum type="arabicPeriod"/>
             </a:pPr>
             <a:endParaRPr lang="en-US" altLang="zh-TW" sz="2400" dirty="0">
+              <a:solidFill>
+                <a:schemeClr val="accent1"/>
+              </a:solidFill>
               <a:latin typeface="Times New Roman" panose="02020603050405020304" pitchFamily="18" charset="0"/>
               <a:cs typeface="Times New Roman" panose="02020603050405020304" pitchFamily="18" charset="0"/>
             </a:endParaRPr>
@@ -12521,6 +14239,9 @@
             </a:pPr>
             <a:r>
               <a:rPr lang="en-US" altLang="zh-TW" sz="2400" dirty="0">
+                <a:solidFill>
+                  <a:schemeClr val="accent1"/>
+                </a:solidFill>
                 <a:latin typeface="Times New Roman" panose="02020603050405020304" pitchFamily="18" charset="0"/>
                 <a:cs typeface="Times New Roman" panose="02020603050405020304" pitchFamily="18" charset="0"/>
               </a:rPr>
@@ -12528,12 +14249,18 @@
             </a:r>
             <a:br>
               <a:rPr lang="en-US" altLang="zh-TW" sz="2400" dirty="0">
+                <a:solidFill>
+                  <a:schemeClr val="accent1"/>
+                </a:solidFill>
                 <a:latin typeface="Times New Roman" panose="02020603050405020304" pitchFamily="18" charset="0"/>
                 <a:cs typeface="Times New Roman" panose="02020603050405020304" pitchFamily="18" charset="0"/>
               </a:rPr>
             </a:br>
             <a:r>
               <a:rPr lang="en-US" altLang="zh-TW" sz="2400" dirty="0">
+                <a:solidFill>
+                  <a:schemeClr val="accent1"/>
+                </a:solidFill>
                 <a:latin typeface="Times New Roman" panose="02020603050405020304" pitchFamily="18" charset="0"/>
                 <a:cs typeface="Times New Roman" panose="02020603050405020304" pitchFamily="18" charset="0"/>
               </a:rPr>
@@ -12641,6 +14368,9 @@
           <a:p>
             <a:r>
               <a:rPr lang="en-US" altLang="zh-TW" sz="3600" dirty="0">
+                <a:solidFill>
+                  <a:schemeClr val="accent1"/>
+                </a:solidFill>
                 <a:latin typeface="Times New Roman" panose="02020603050405020304" pitchFamily="18" charset="0"/>
                 <a:cs typeface="Times New Roman" panose="02020603050405020304" pitchFamily="18" charset="0"/>
               </a:rPr>
@@ -12702,7 +14432,7 @@
         <p:spPr>
           <a:xfrm>
             <a:off x="488210" y="1382909"/>
-            <a:ext cx="6382489" cy="3046988"/>
+            <a:ext cx="6382489" cy="3416320"/>
           </a:xfrm>
           <a:prstGeom prst="rect">
             <a:avLst/>
@@ -12720,10 +14450,13 @@
             </a:pPr>
             <a:r>
               <a:rPr lang="en-US" altLang="zh-TW" sz="2400" dirty="0">
+                <a:solidFill>
+                  <a:schemeClr val="accent1"/>
+                </a:solidFill>
                 <a:latin typeface="Times New Roman" panose="02020603050405020304" pitchFamily="18" charset="0"/>
                 <a:cs typeface="Times New Roman" panose="02020603050405020304" pitchFamily="18" charset="0"/>
               </a:rPr>
-              <a:t>The big poverty gap in Costa Rica is always a serious problem.</a:t>
+              <a:t>The big poverty gap in Costa Rica is a serious problem as 1.1 million people live in poverty.</a:t>
             </a:r>
           </a:p>
           <a:p>
@@ -12731,6 +14464,9 @@
               <a:buAutoNum type="arabicPeriod"/>
             </a:pPr>
             <a:endParaRPr lang="en-US" altLang="zh-TW" sz="2400" dirty="0">
+              <a:solidFill>
+                <a:schemeClr val="accent1"/>
+              </a:solidFill>
               <a:latin typeface="Times New Roman" panose="02020603050405020304" pitchFamily="18" charset="0"/>
               <a:cs typeface="Times New Roman" panose="02020603050405020304" pitchFamily="18" charset="0"/>
             </a:endParaRPr>
@@ -12741,10 +14477,13 @@
             </a:pPr>
             <a:r>
               <a:rPr lang="en-US" altLang="zh-TW" sz="2400" dirty="0">
+                <a:solidFill>
+                  <a:schemeClr val="accent1"/>
+                </a:solidFill>
                 <a:latin typeface="Times New Roman" panose="02020603050405020304" pitchFamily="18" charset="0"/>
                 <a:cs typeface="Times New Roman" panose="02020603050405020304" pitchFamily="18" charset="0"/>
               </a:rPr>
-              <a:t>Investigating different relations between socio-economic parameters is worthy.</a:t>
+              <a:t>Investigating different relations between socio-economic parameters is a worthy task.</a:t>
             </a:r>
           </a:p>
           <a:p>
@@ -12752,6 +14491,9 @@
               <a:buAutoNum type="arabicPeriod"/>
             </a:pPr>
             <a:endParaRPr lang="en-US" altLang="zh-TW" sz="2400" dirty="0">
+              <a:solidFill>
+                <a:schemeClr val="accent1"/>
+              </a:solidFill>
               <a:latin typeface="Times New Roman" panose="02020603050405020304" pitchFamily="18" charset="0"/>
               <a:cs typeface="Times New Roman" panose="02020603050405020304" pitchFamily="18" charset="0"/>
             </a:endParaRPr>
@@ -12762,10 +14504,13 @@
             </a:pPr>
             <a:r>
               <a:rPr lang="en-US" altLang="zh-TW" sz="2400" dirty="0">
+                <a:solidFill>
+                  <a:schemeClr val="accent1"/>
+                </a:solidFill>
                 <a:latin typeface="Times New Roman" panose="02020603050405020304" pitchFamily="18" charset="0"/>
                 <a:cs typeface="Times New Roman" panose="02020603050405020304" pitchFamily="18" charset="0"/>
               </a:rPr>
-              <a:t>Visualizing the dataset make us more understand the society in Costa Rica.  </a:t>
+              <a:t>Understanding the indicators and the factors affecting poverty will help us in tackling this problem in a better way.</a:t>
             </a:r>
           </a:p>
         </p:txBody>
@@ -12843,8 +14588,8 @@
         </p:nvSpPr>
         <p:spPr>
           <a:xfrm>
-            <a:off x="488210" y="1398408"/>
-            <a:ext cx="9663179" cy="4154984"/>
+            <a:off x="488211" y="1398408"/>
+            <a:ext cx="6193944" cy="3785652"/>
           </a:xfrm>
           <a:prstGeom prst="rect">
             <a:avLst/>
@@ -12862,78 +14607,75 @@
             </a:pPr>
             <a:r>
               <a:rPr lang="en-US" altLang="zh-TW" sz="2400" dirty="0">
+                <a:solidFill>
+                  <a:schemeClr val="accent1"/>
+                </a:solidFill>
                 <a:latin typeface="Times New Roman" panose="02020603050405020304" pitchFamily="18" charset="0"/>
                 <a:cs typeface="Times New Roman" panose="02020603050405020304" pitchFamily="18" charset="0"/>
               </a:rPr>
-              <a:t>IDB Costa Rican Household Dataset:</a:t>
+              <a:t>IDB Costa Rican Household Dataset: 143 features as poverty level indicators with target labels classified</a:t>
             </a:r>
             <a:br>
               <a:rPr lang="en-US" altLang="zh-TW" sz="2400" dirty="0">
+                <a:solidFill>
+                  <a:schemeClr val="accent1"/>
+                </a:solidFill>
                 <a:latin typeface="Times New Roman" panose="02020603050405020304" pitchFamily="18" charset="0"/>
                 <a:cs typeface="Times New Roman" panose="02020603050405020304" pitchFamily="18" charset="0"/>
               </a:rPr>
             </a:br>
+            <a:endParaRPr lang="en-US" altLang="zh-TW" sz="2400" dirty="0">
+              <a:solidFill>
+                <a:schemeClr val="accent1"/>
+              </a:solidFill>
+              <a:latin typeface="Times New Roman" panose="02020603050405020304" pitchFamily="18" charset="0"/>
+              <a:cs typeface="Times New Roman" panose="02020603050405020304" pitchFamily="18" charset="0"/>
+            </a:endParaRPr>
+          </a:p>
+          <a:p>
+            <a:pPr marL="457200" indent="-457200">
+              <a:buAutoNum type="arabicPeriod"/>
+            </a:pPr>
             <a:r>
               <a:rPr lang="en-US" altLang="zh-TW" sz="2400" dirty="0">
+                <a:solidFill>
+                  <a:schemeClr val="accent1"/>
+                </a:solidFill>
                 <a:latin typeface="Times New Roman" panose="02020603050405020304" pitchFamily="18" charset="0"/>
                 <a:cs typeface="Times New Roman" panose="02020603050405020304" pitchFamily="18" charset="0"/>
               </a:rPr>
-              <a:t>Contain different socio-economic indicators of 9558 Households to train the model to classify their Poverty level. In the test dataset it contains socio-economic data for 23K Households.</a:t>
-            </a:r>
-          </a:p>
-          <a:p>
-            <a:pPr marL="457200" indent="-457200">
-              <a:buAutoNum type="arabicPeriod"/>
-            </a:pPr>
-            <a:endParaRPr lang="en-US" altLang="zh-TW" sz="2400" dirty="0">
-              <a:latin typeface="Times New Roman" panose="02020603050405020304" pitchFamily="18" charset="0"/>
-              <a:cs typeface="Times New Roman" panose="02020603050405020304" pitchFamily="18" charset="0"/>
-            </a:endParaRPr>
-          </a:p>
-          <a:p>
-            <a:pPr marL="457200" indent="-457200">
-              <a:buAutoNum type="arabicPeriod"/>
-            </a:pPr>
-            <a:r>
-              <a:rPr lang="en-US" altLang="zh-TW" sz="2400" dirty="0">
-                <a:latin typeface="Times New Roman" panose="02020603050405020304" pitchFamily="18" charset="0"/>
-                <a:cs typeface="Times New Roman" panose="02020603050405020304" pitchFamily="18" charset="0"/>
-              </a:rPr>
-              <a:t>INEC Costa Rica Dataset:</a:t>
+              <a:t>INEC Costa Rica Dataset: Costa Rican official census data </a:t>
             </a:r>
             <a:br>
               <a:rPr lang="en-US" altLang="zh-TW" sz="2400" dirty="0">
+                <a:solidFill>
+                  <a:schemeClr val="accent1"/>
+                </a:solidFill>
                 <a:latin typeface="Times New Roman" panose="02020603050405020304" pitchFamily="18" charset="0"/>
                 <a:cs typeface="Times New Roman" panose="02020603050405020304" pitchFamily="18" charset="0"/>
               </a:rPr>
             </a:br>
+            <a:endParaRPr lang="en-US" altLang="zh-TW" sz="2400" dirty="0">
+              <a:solidFill>
+                <a:schemeClr val="accent1"/>
+              </a:solidFill>
+              <a:latin typeface="Times New Roman" panose="02020603050405020304" pitchFamily="18" charset="0"/>
+              <a:cs typeface="Times New Roman" panose="02020603050405020304" pitchFamily="18" charset="0"/>
+            </a:endParaRPr>
+          </a:p>
+          <a:p>
+            <a:pPr marL="457200" indent="-457200">
+              <a:buAutoNum type="arabicPeriod"/>
+            </a:pPr>
             <a:r>
               <a:rPr lang="en-US" altLang="zh-TW" sz="2400" dirty="0">
+                <a:solidFill>
+                  <a:schemeClr val="accent1"/>
+                </a:solidFill>
                 <a:latin typeface="Times New Roman" panose="02020603050405020304" pitchFamily="18" charset="0"/>
                 <a:cs typeface="Times New Roman" panose="02020603050405020304" pitchFamily="18" charset="0"/>
               </a:rPr>
-              <a:t>Provide information about education in different regions in years.</a:t>
-            </a:r>
-          </a:p>
-          <a:p>
-            <a:pPr marL="457200" indent="-457200">
-              <a:buAutoNum type="arabicPeriod"/>
-            </a:pPr>
-            <a:endParaRPr lang="en-US" altLang="zh-TW" sz="2400" dirty="0">
-              <a:latin typeface="Times New Roman" panose="02020603050405020304" pitchFamily="18" charset="0"/>
-              <a:cs typeface="Times New Roman" panose="02020603050405020304" pitchFamily="18" charset="0"/>
-            </a:endParaRPr>
-          </a:p>
-          <a:p>
-            <a:pPr marL="457200" indent="-457200">
-              <a:buAutoNum type="arabicPeriod"/>
-            </a:pPr>
-            <a:r>
-              <a:rPr lang="en-US" altLang="zh-TW" sz="2400" dirty="0">
-                <a:latin typeface="Times New Roman" panose="02020603050405020304" pitchFamily="18" charset="0"/>
-                <a:cs typeface="Times New Roman" panose="02020603050405020304" pitchFamily="18" charset="0"/>
-              </a:rPr>
-              <a:t>Google and twitter</a:t>
+              <a:t>Google and twitter search data</a:t>
             </a:r>
           </a:p>
           <a:p>
@@ -12980,6 +14722,9 @@
           <a:p>
             <a:r>
               <a:rPr lang="en-US" altLang="zh-TW" sz="3600" dirty="0">
+                <a:solidFill>
+                  <a:schemeClr val="accent1"/>
+                </a:solidFill>
                 <a:latin typeface="Times New Roman" panose="02020603050405020304" pitchFamily="18" charset="0"/>
                 <a:cs typeface="Times New Roman" panose="02020603050405020304" pitchFamily="18" charset="0"/>
               </a:rPr>
@@ -13017,6 +14762,42 @@
           </a:p>
         </p:txBody>
       </p:sp>
+      <p:pic>
+        <p:nvPicPr>
+          <p:cNvPr id="4" name="Picture 3" descr="A picture containing text&#13;&#10;&#13;&#10;Description automatically generated">
+            <a:extLst>
+              <a:ext uri="{FF2B5EF4-FFF2-40B4-BE49-F238E27FC236}">
+                <a16:creationId xmlns:a16="http://schemas.microsoft.com/office/drawing/2014/main" id="{1C7D0F12-4ABE-F047-BF62-518062D30560}"/>
+              </a:ext>
+            </a:extLst>
+          </p:cNvPr>
+          <p:cNvPicPr>
+            <a:picLocks noChangeAspect="1"/>
+          </p:cNvPicPr>
+          <p:nvPr/>
+        </p:nvPicPr>
+        <p:blipFill>
+          <a:blip r:embed="rId2">
+            <a:extLst>
+              <a:ext uri="{28A0092B-C50C-407E-A947-70E740481C1C}">
+                <a14:useLocalDpi xmlns:a14="http://schemas.microsoft.com/office/drawing/2010/main" val="0"/>
+              </a:ext>
+            </a:extLst>
+          </a:blip>
+          <a:stretch>
+            <a:fillRect/>
+          </a:stretch>
+        </p:blipFill>
+        <p:spPr>
+          <a:xfrm>
+            <a:off x="5866228" y="133283"/>
+            <a:ext cx="5993612" cy="5993612"/>
+          </a:xfrm>
+          <a:prstGeom prst="rect">
+            <a:avLst/>
+          </a:prstGeom>
+        </p:spPr>
+      </p:pic>
     </p:spTree>
     <p:extLst>
       <p:ext uri="{BB962C8B-B14F-4D97-AF65-F5344CB8AC3E}">
@@ -13033,6 +14814,14 @@
 <file path=ppt/slides/slide5.xml><?xml version="1.0" encoding="utf-8"?>
 <p:sld xmlns:a="http://schemas.openxmlformats.org/drawingml/2006/main" xmlns:r="http://schemas.openxmlformats.org/officeDocument/2006/relationships" xmlns:p="http://schemas.openxmlformats.org/presentationml/2006/main">
   <p:cSld>
+    <p:bg>
+      <p:bgPr>
+        <a:solidFill>
+          <a:schemeClr val="bg1"/>
+        </a:solidFill>
+        <a:effectLst/>
+      </p:bgPr>
+    </p:bg>
     <p:spTree>
       <p:nvGrpSpPr>
         <p:cNvPr id="1" name=""/>
@@ -13049,10 +14838,140 @@
       </p:grpSpPr>
       <p:sp>
         <p:nvSpPr>
-          <p:cNvPr id="3" name="文字方塊 2">
+          <p:cNvPr id="40" name="Rectangle 39">
             <a:extLst>
               <a:ext uri="{FF2B5EF4-FFF2-40B4-BE49-F238E27FC236}">
-                <a16:creationId xmlns:a16="http://schemas.microsoft.com/office/drawing/2014/main" id="{3F434EEE-E8CC-4C08-9C8C-17694888BD96}"/>
+                <a16:creationId xmlns:a16="http://schemas.microsoft.com/office/drawing/2014/main" id="{84867EAF-AE1D-4322-9DE8-383AE3F7BCD9}"/>
+              </a:ext>
+              <a:ext uri="{C183D7F6-B498-43B3-948B-1728B52AA6E4}">
+                <adec:decorative xmlns:adec="http://schemas.microsoft.com/office/drawing/2017/decorative" val="1"/>
+              </a:ext>
+            </a:extLst>
+          </p:cNvPr>
+          <p:cNvSpPr>
+            <a:spLocks noGrp="1" noRot="1" noChangeAspect="1" noMove="1" noResize="1" noEditPoints="1" noAdjustHandles="1" noChangeArrowheads="1" noChangeShapeType="1" noTextEdit="1"/>
+          </p:cNvSpPr>
+          <p:nvPr>
+            <p:extLst>
+              <p:ext uri="{386F3935-93C4-4BCD-93E2-E3B085C9AB24}">
+                <p16:designElem xmlns:p16="http://schemas.microsoft.com/office/powerpoint/2015/main" val="1"/>
+              </p:ext>
+            </p:extLst>
+          </p:nvPr>
+        </p:nvSpPr>
+        <p:spPr>
+          <a:xfrm>
+            <a:off x="6096" y="-4691"/>
+            <a:ext cx="5446920" cy="6858000"/>
+          </a:xfrm>
+          <a:prstGeom prst="rect">
+            <a:avLst/>
+          </a:prstGeom>
+          <a:gradFill>
+            <a:gsLst>
+              <a:gs pos="0">
+                <a:schemeClr val="accent1">
+                  <a:lumMod val="90000"/>
+                </a:schemeClr>
+              </a:gs>
+              <a:gs pos="25000">
+                <a:schemeClr val="accent1">
+                  <a:lumMod val="90000"/>
+                </a:schemeClr>
+              </a:gs>
+              <a:gs pos="94000">
+                <a:schemeClr val="bg2">
+                  <a:lumMod val="25000"/>
+                </a:schemeClr>
+              </a:gs>
+              <a:gs pos="100000">
+                <a:schemeClr val="bg2">
+                  <a:lumMod val="25000"/>
+                </a:schemeClr>
+              </a:gs>
+            </a:gsLst>
+            <a:lin ang="4200000" scaled="0"/>
+          </a:gradFill>
+          <a:ln>
+            <a:noFill/>
+          </a:ln>
+        </p:spPr>
+        <p:style>
+          <a:lnRef idx="2">
+            <a:schemeClr val="accent1">
+              <a:shade val="50000"/>
+            </a:schemeClr>
+          </a:lnRef>
+          <a:fillRef idx="1">
+            <a:schemeClr val="accent1"/>
+          </a:fillRef>
+          <a:effectRef idx="0">
+            <a:schemeClr val="accent1"/>
+          </a:effectRef>
+          <a:fontRef idx="minor">
+            <a:schemeClr val="lt1"/>
+          </a:fontRef>
+        </p:style>
+        <p:txBody>
+          <a:bodyPr rtlCol="0" anchor="ctr"/>
+          <a:lstStyle/>
+          <a:p>
+            <a:pPr algn="ctr"/>
+            <a:endParaRPr lang="en-US"/>
+          </a:p>
+        </p:txBody>
+      </p:sp>
+      <p:pic>
+        <p:nvPicPr>
+          <p:cNvPr id="42" name="Picture 41">
+            <a:extLst>
+              <a:ext uri="{FF2B5EF4-FFF2-40B4-BE49-F238E27FC236}">
+                <a16:creationId xmlns:a16="http://schemas.microsoft.com/office/drawing/2014/main" id="{40676238-7F95-4EEB-836A-7D23927873AD}"/>
+              </a:ext>
+              <a:ext uri="{C183D7F6-B498-43B3-948B-1728B52AA6E4}">
+                <adec:decorative xmlns:adec="http://schemas.microsoft.com/office/drawing/2017/decorative" val="1"/>
+              </a:ext>
+            </a:extLst>
+          </p:cNvPr>
+          <p:cNvPicPr>
+            <a:picLocks noGrp="1" noRot="1" noChangeAspect="1" noMove="1" noResize="1" noEditPoints="1" noAdjustHandles="1" noChangeArrowheads="1" noChangeShapeType="1" noCrop="1"/>
+          </p:cNvPicPr>
+          <p:nvPr>
+            <p:extLst>
+              <p:ext uri="{386F3935-93C4-4BCD-93E2-E3B085C9AB24}">
+                <p16:designElem xmlns:p16="http://schemas.microsoft.com/office/powerpoint/2015/main" val="1"/>
+              </p:ext>
+            </p:extLst>
+          </p:nvPr>
+        </p:nvPicPr>
+        <p:blipFill>
+          <a:blip r:embed="rId2">
+            <a:extLst>
+              <a:ext uri="{28A0092B-C50C-407E-A947-70E740481C1C}">
+                <a14:useLocalDpi xmlns:a14="http://schemas.microsoft.com/office/drawing/2010/main" val="0"/>
+              </a:ext>
+            </a:extLst>
+          </a:blip>
+          <a:stretch>
+            <a:fillRect/>
+          </a:stretch>
+        </p:blipFill>
+        <p:spPr>
+          <a:xfrm>
+            <a:off x="0" y="0"/>
+            <a:ext cx="12192000" cy="6858000"/>
+          </a:xfrm>
+          <a:prstGeom prst="rect">
+            <a:avLst/>
+          </a:prstGeom>
+        </p:spPr>
+      </p:pic>
+      <p:sp>
+        <p:nvSpPr>
+          <p:cNvPr id="5" name="文字方塊 4">
+            <a:extLst>
+              <a:ext uri="{FF2B5EF4-FFF2-40B4-BE49-F238E27FC236}">
+                <a16:creationId xmlns:a16="http://schemas.microsoft.com/office/drawing/2014/main" id="{FD213EEC-5973-4B66-910F-949B3065FEC8}"/>
               </a:ext>
             </a:extLst>
           </p:cNvPr>
@@ -13061,36 +14980,50 @@
         </p:nvSpPr>
         <p:spPr>
           <a:xfrm>
-            <a:off x="488211" y="392766"/>
-            <a:ext cx="2261384" cy="646331"/>
+            <a:off x="6310446" y="553003"/>
+            <a:ext cx="3658053" cy="1786515"/>
           </a:xfrm>
           <a:prstGeom prst="rect">
             <a:avLst/>
           </a:prstGeom>
-          <a:noFill/>
         </p:spPr>
         <p:txBody>
-          <a:bodyPr wrap="square" rtlCol="0">
-            <a:spAutoFit/>
+          <a:bodyPr vert="horz" lIns="91440" tIns="45720" rIns="91440" bIns="45720" rtlCol="0" anchor="t">
+            <a:normAutofit/>
           </a:bodyPr>
           <a:lstStyle/>
           <a:p>
-            <a:r>
-              <a:rPr lang="en-US" altLang="zh-TW" sz="3600" dirty="0">
-                <a:latin typeface="Times New Roman" panose="02020603050405020304" pitchFamily="18" charset="0"/>
-                <a:cs typeface="Times New Roman" panose="02020603050405020304" pitchFamily="18" charset="0"/>
+            <a:pPr>
+              <a:lnSpc>
+                <a:spcPct val="90000"/>
+              </a:lnSpc>
+              <a:spcBef>
+                <a:spcPct val="0"/>
+              </a:spcBef>
+              <a:spcAft>
+                <a:spcPts val="600"/>
+              </a:spcAft>
+            </a:pPr>
+            <a:r>
+              <a:rPr lang="en-US" altLang="zh-TW" sz="4400" kern="1200" dirty="0">
+                <a:solidFill>
+                  <a:schemeClr val="accent1"/>
+                </a:solidFill>
+                <a:latin typeface="+mj-lt"/>
+                <a:ea typeface="+mj-ea"/>
+                <a:cs typeface="+mj-cs"/>
               </a:rPr>
-              <a:t>Household</a:t>
-            </a:r>
-          </a:p>
-        </p:txBody>
-      </p:sp>
-      <p:sp>
-        <p:nvSpPr>
-          <p:cNvPr id="4" name="投影片編號版面配置區 3">
+              <a:t>Google it up!</a:t>
+            </a:r>
+          </a:p>
+        </p:txBody>
+      </p:sp>
+      <p:sp>
+        <p:nvSpPr>
+          <p:cNvPr id="6" name="投影片編號版面配置區 5">
             <a:extLst>
               <a:ext uri="{FF2B5EF4-FFF2-40B4-BE49-F238E27FC236}">
-                <a16:creationId xmlns:a16="http://schemas.microsoft.com/office/drawing/2014/main" id="{5615FACB-B895-4BF6-B26A-C4EB12AE23C2}"/>
+                <a16:creationId xmlns:a16="http://schemas.microsoft.com/office/drawing/2014/main" id="{9B748110-F0A5-45FD-AF41-F5145614443E}"/>
               </a:ext>
             </a:extLst>
           </p:cNvPr>
@@ -13101,25 +15034,50 @@
             <p:ph type="sldNum" sz="quarter" idx="12"/>
           </p:nvPr>
         </p:nvSpPr>
-        <p:spPr/>
-        <p:txBody>
-          <a:bodyPr/>
-          <a:lstStyle/>
-          <a:p>
+        <p:spPr>
+          <a:xfrm>
+            <a:off x="10825930" y="6223702"/>
+            <a:ext cx="570728" cy="314067"/>
+          </a:xfrm>
+        </p:spPr>
+        <p:txBody>
+          <a:bodyPr vert="horz" lIns="91440" tIns="45720" rIns="91440" bIns="45720" rtlCol="0" anchor="ctr">
+            <a:normAutofit/>
+          </a:bodyPr>
+          <a:lstStyle/>
+          <a:p>
+            <a:pPr>
+              <a:spcAft>
+                <a:spcPts val="600"/>
+              </a:spcAft>
+            </a:pPr>
             <a:fld id="{12557DE7-69BF-4263-AE6B-A95654E50E8C}" type="slidenum">
-              <a:rPr lang="zh-TW" altLang="en-US" smtClean="0"/>
-              <a:t>5</a:t>
+              <a:rPr lang="en-US" altLang="zh-TW">
+                <a:solidFill>
+                  <a:srgbClr val="898989"/>
+                </a:solidFill>
+              </a:rPr>
+              <a:pPr>
+                <a:spcAft>
+                  <a:spcPts val="600"/>
+                </a:spcAft>
+              </a:pPr>
+              <a:t>6</a:t>
             </a:fld>
-            <a:endParaRPr lang="zh-TW" altLang="en-US"/>
+            <a:endParaRPr lang="en-US" altLang="zh-TW">
+              <a:solidFill>
+                <a:srgbClr val="898989"/>
+              </a:solidFill>
+            </a:endParaRPr>
           </a:p>
         </p:txBody>
       </p:sp>
       <p:pic>
         <p:nvPicPr>
-          <p:cNvPr id="5" name="圖片 4">
+          <p:cNvPr id="22" name="Picture 21">
             <a:extLst>
               <a:ext uri="{FF2B5EF4-FFF2-40B4-BE49-F238E27FC236}">
-                <a16:creationId xmlns:a16="http://schemas.microsoft.com/office/drawing/2014/main" id="{B4CEEBF7-D741-439B-9906-4BAAEF21FDE6}"/>
+                <a16:creationId xmlns:a16="http://schemas.microsoft.com/office/drawing/2014/main" id="{67DDADCA-5A76-1B48-96D0-BE7672BB5657}"/>
               </a:ext>
             </a:extLst>
           </p:cNvPr>
@@ -13129,136 +15087,67 @@
           <p:nvPr/>
         </p:nvPicPr>
         <p:blipFill>
-          <a:blip r:embed="rId2"/>
+          <a:blip r:embed="rId3">
+            <a:extLst>
+              <a:ext uri="{28A0092B-C50C-407E-A947-70E740481C1C}">
+                <a14:useLocalDpi xmlns:a14="http://schemas.microsoft.com/office/drawing/2010/main" val="0"/>
+              </a:ext>
+            </a:extLst>
+          </a:blip>
           <a:stretch>
             <a:fillRect/>
           </a:stretch>
         </p:blipFill>
         <p:spPr>
           <a:xfrm>
-            <a:off x="73344" y="1160235"/>
-            <a:ext cx="8300189" cy="3927927"/>
+            <a:off x="0" y="2068916"/>
+            <a:ext cx="5062438" cy="2531219"/>
           </a:xfrm>
           <a:prstGeom prst="rect">
             <a:avLst/>
           </a:prstGeom>
         </p:spPr>
       </p:pic>
-      <p:sp>
-        <p:nvSpPr>
-          <p:cNvPr id="6" name="文字方塊 5">
+      <p:pic>
+        <p:nvPicPr>
+          <p:cNvPr id="25" name="Picture 24" descr="A screenshot of a cell phone&#13;&#10;&#13;&#10;Description automatically generated">
             <a:extLst>
               <a:ext uri="{FF2B5EF4-FFF2-40B4-BE49-F238E27FC236}">
-                <a16:creationId xmlns:a16="http://schemas.microsoft.com/office/drawing/2014/main" id="{AEC32B69-2E83-4F34-8391-371A5863E364}"/>
+                <a16:creationId xmlns:a16="http://schemas.microsoft.com/office/drawing/2014/main" id="{8216F022-9E11-8A4E-87AE-15C879A844ED}"/>
               </a:ext>
             </a:extLst>
           </p:cNvPr>
-          <p:cNvSpPr txBox="1"/>
+          <p:cNvPicPr>
+            <a:picLocks noChangeAspect="1"/>
+          </p:cNvPicPr>
           <p:nvPr/>
-        </p:nvSpPr>
+        </p:nvPicPr>
+        <p:blipFill>
+          <a:blip r:embed="rId4">
+            <a:extLst>
+              <a:ext uri="{28A0092B-C50C-407E-A947-70E740481C1C}">
+                <a14:useLocalDpi xmlns:a14="http://schemas.microsoft.com/office/drawing/2010/main" val="0"/>
+              </a:ext>
+            </a:extLst>
+          </a:blip>
+          <a:stretch>
+            <a:fillRect/>
+          </a:stretch>
+        </p:blipFill>
         <p:spPr>
           <a:xfrm>
-            <a:off x="905934" y="5156021"/>
-            <a:ext cx="3979333" cy="1200329"/>
+            <a:off x="5354290" y="1518273"/>
+            <a:ext cx="6693794" cy="4235413"/>
           </a:xfrm>
           <a:prstGeom prst="rect">
             <a:avLst/>
           </a:prstGeom>
-          <a:noFill/>
         </p:spPr>
-        <p:txBody>
-          <a:bodyPr wrap="square" rtlCol="0">
-            <a:spAutoFit/>
-          </a:bodyPr>
-          <a:lstStyle/>
-          <a:p>
-            <a:r>
-              <a:rPr lang="en-US" altLang="zh-TW" dirty="0">
-                <a:latin typeface="Times New Roman" panose="02020603050405020304" pitchFamily="18" charset="0"/>
-                <a:cs typeface="Times New Roman" panose="02020603050405020304" pitchFamily="18" charset="0"/>
-              </a:rPr>
-              <a:t>1 = extreme poverty </a:t>
-            </a:r>
-          </a:p>
-          <a:p>
-            <a:r>
-              <a:rPr lang="en-US" altLang="zh-TW" dirty="0">
-                <a:latin typeface="Times New Roman" panose="02020603050405020304" pitchFamily="18" charset="0"/>
-                <a:cs typeface="Times New Roman" panose="02020603050405020304" pitchFamily="18" charset="0"/>
-              </a:rPr>
-              <a:t>2 = moderate poverty </a:t>
-            </a:r>
-          </a:p>
-          <a:p>
-            <a:r>
-              <a:rPr lang="en-US" altLang="zh-TW" dirty="0">
-                <a:latin typeface="Times New Roman" panose="02020603050405020304" pitchFamily="18" charset="0"/>
-                <a:cs typeface="Times New Roman" panose="02020603050405020304" pitchFamily="18" charset="0"/>
-              </a:rPr>
-              <a:t>3 = vulnerable households </a:t>
-            </a:r>
-          </a:p>
-          <a:p>
-            <a:r>
-              <a:rPr lang="en-US" altLang="zh-TW" dirty="0">
-                <a:latin typeface="Times New Roman" panose="02020603050405020304" pitchFamily="18" charset="0"/>
-                <a:cs typeface="Times New Roman" panose="02020603050405020304" pitchFamily="18" charset="0"/>
-              </a:rPr>
-              <a:t>4 = non vulnerable households</a:t>
-            </a:r>
-            <a:endParaRPr lang="zh-TW" altLang="en-US" dirty="0">
-              <a:latin typeface="Times New Roman" panose="02020603050405020304" pitchFamily="18" charset="0"/>
-              <a:cs typeface="Times New Roman" panose="02020603050405020304" pitchFamily="18" charset="0"/>
-            </a:endParaRPr>
-          </a:p>
-        </p:txBody>
-      </p:sp>
-      <p:sp>
-        <p:nvSpPr>
-          <p:cNvPr id="7" name="文字方塊 6">
-            <a:extLst>
-              <a:ext uri="{FF2B5EF4-FFF2-40B4-BE49-F238E27FC236}">
-                <a16:creationId xmlns:a16="http://schemas.microsoft.com/office/drawing/2014/main" id="{7762CB98-FBFD-43B1-A732-D12D03A48A29}"/>
-              </a:ext>
-            </a:extLst>
-          </p:cNvPr>
-          <p:cNvSpPr txBox="1"/>
-          <p:nvPr/>
-        </p:nvSpPr>
-        <p:spPr>
-          <a:xfrm>
-            <a:off x="6805661" y="4832855"/>
-            <a:ext cx="4047066" cy="646331"/>
-          </a:xfrm>
-          <a:prstGeom prst="rect">
-            <a:avLst/>
-          </a:prstGeom>
-          <a:noFill/>
-        </p:spPr>
-        <p:txBody>
-          <a:bodyPr wrap="square" rtlCol="0">
-            <a:spAutoFit/>
-          </a:bodyPr>
-          <a:lstStyle/>
-          <a:p>
-            <a:r>
-              <a:rPr lang="en-US" altLang="zh-TW" dirty="0">
-                <a:latin typeface="Times New Roman" panose="02020603050405020304" pitchFamily="18" charset="0"/>
-                <a:cs typeface="Times New Roman" panose="02020603050405020304" pitchFamily="18" charset="0"/>
-              </a:rPr>
-              <a:t>The household with higher income level tends to have less children</a:t>
-            </a:r>
-            <a:endParaRPr lang="zh-TW" altLang="en-US" dirty="0">
-              <a:latin typeface="Times New Roman" panose="02020603050405020304" pitchFamily="18" charset="0"/>
-              <a:cs typeface="Times New Roman" panose="02020603050405020304" pitchFamily="18" charset="0"/>
-            </a:endParaRPr>
-          </a:p>
-        </p:txBody>
-      </p:sp>
+      </p:pic>
     </p:spTree>
     <p:extLst>
       <p:ext uri="{BB962C8B-B14F-4D97-AF65-F5344CB8AC3E}">
-        <p14:creationId xmlns:p14="http://schemas.microsoft.com/office/powerpoint/2010/main" val="3371682891"/>
+        <p14:creationId xmlns:p14="http://schemas.microsoft.com/office/powerpoint/2010/main" val="857336481"/>
       </p:ext>
     </p:extLst>
   </p:cSld>
@@ -13290,7 +15179,7 @@
           <p:cNvPr id="3" name="文字方塊 2">
             <a:extLst>
               <a:ext uri="{FF2B5EF4-FFF2-40B4-BE49-F238E27FC236}">
-                <a16:creationId xmlns:a16="http://schemas.microsoft.com/office/drawing/2014/main" id="{4CCC1DB7-FD49-4380-8080-28FBCA6C7D95}"/>
+                <a16:creationId xmlns:a16="http://schemas.microsoft.com/office/drawing/2014/main" id="{66A2007A-6B8B-42CE-B4A0-EE212B5E4C32}"/>
               </a:ext>
             </a:extLst>
           </p:cNvPr>
@@ -13315,10 +15204,13 @@
           <a:p>
             <a:r>
               <a:rPr lang="en-US" altLang="zh-TW" sz="3600" dirty="0">
+                <a:solidFill>
+                  <a:schemeClr val="accent1"/>
+                </a:solidFill>
                 <a:latin typeface="Times New Roman" panose="02020603050405020304" pitchFamily="18" charset="0"/>
                 <a:cs typeface="Times New Roman" panose="02020603050405020304" pitchFamily="18" charset="0"/>
               </a:rPr>
-              <a:t>Economy</a:t>
+              <a:t>Education</a:t>
             </a:r>
           </a:p>
         </p:txBody>
@@ -13328,7 +15220,7 @@
           <p:cNvPr id="4" name="投影片編號版面配置區 3">
             <a:extLst>
               <a:ext uri="{FF2B5EF4-FFF2-40B4-BE49-F238E27FC236}">
-                <a16:creationId xmlns:a16="http://schemas.microsoft.com/office/drawing/2014/main" id="{D912EAEA-ED49-4FDB-A786-D2D654AD9E25}"/>
+                <a16:creationId xmlns:a16="http://schemas.microsoft.com/office/drawing/2014/main" id="{F692971B-E2E7-4ABF-A0AE-6A0C8EE1DCC9}"/>
               </a:ext>
             </a:extLst>
           </p:cNvPr>
@@ -13352,10 +15244,120 @@
           </a:p>
         </p:txBody>
       </p:sp>
+      <p:pic>
+        <p:nvPicPr>
+          <p:cNvPr id="8" name="Picture 7" descr="A close up of a map&#13;&#10;&#13;&#10;Description automatically generated">
+            <a:extLst>
+              <a:ext uri="{FF2B5EF4-FFF2-40B4-BE49-F238E27FC236}">
+                <a16:creationId xmlns:a16="http://schemas.microsoft.com/office/drawing/2014/main" id="{99C3AD91-269C-D944-8EBC-0260FCAC9C9F}"/>
+              </a:ext>
+            </a:extLst>
+          </p:cNvPr>
+          <p:cNvPicPr>
+            <a:picLocks noChangeAspect="1"/>
+          </p:cNvPicPr>
+          <p:nvPr/>
+        </p:nvPicPr>
+        <p:blipFill>
+          <a:blip r:embed="rId2">
+            <a:extLst>
+              <a:ext uri="{28A0092B-C50C-407E-A947-70E740481C1C}">
+                <a14:useLocalDpi xmlns:a14="http://schemas.microsoft.com/office/drawing/2010/main" val="0"/>
+              </a:ext>
+            </a:extLst>
+          </a:blip>
+          <a:stretch>
+            <a:fillRect/>
+          </a:stretch>
+        </p:blipFill>
+        <p:spPr>
+          <a:xfrm>
+            <a:off x="4179384" y="1123605"/>
+            <a:ext cx="6271995" cy="5734395"/>
+          </a:xfrm>
+          <a:prstGeom prst="rect">
+            <a:avLst/>
+          </a:prstGeom>
+        </p:spPr>
+      </p:pic>
+      <p:sp>
+        <p:nvSpPr>
+          <p:cNvPr id="9" name="TextBox 8">
+            <a:extLst>
+              <a:ext uri="{FF2B5EF4-FFF2-40B4-BE49-F238E27FC236}">
+                <a16:creationId xmlns:a16="http://schemas.microsoft.com/office/drawing/2014/main" id="{29723FF9-B654-494F-8633-AF494EBA2CCB}"/>
+              </a:ext>
+            </a:extLst>
+          </p:cNvPr>
+          <p:cNvSpPr txBox="1"/>
+          <p:nvPr/>
+        </p:nvSpPr>
+        <p:spPr>
+          <a:xfrm>
+            <a:off x="488211" y="2799471"/>
+            <a:ext cx="3035044" cy="1754326"/>
+          </a:xfrm>
+          <a:prstGeom prst="rect">
+            <a:avLst/>
+          </a:prstGeom>
+          <a:noFill/>
+        </p:spPr>
+        <p:txBody>
+          <a:bodyPr wrap="square" rtlCol="0">
+            <a:spAutoFit/>
+          </a:bodyPr>
+          <a:lstStyle/>
+          <a:p>
+            <a:r>
+              <a:rPr lang="en-US" dirty="0"/>
+              <a:t>Income Level:</a:t>
+            </a:r>
+          </a:p>
+          <a:p>
+            <a:r>
+              <a:rPr lang="en-US" dirty="0"/>
+              <a:t>1</a:t>
+            </a:r>
+            <a:r>
+              <a:rPr lang="en-US" dirty="0">
+                <a:sym typeface="Wingdings" pitchFamily="2" charset="2"/>
+              </a:rPr>
+              <a:t> extreme poverty</a:t>
+            </a:r>
+          </a:p>
+          <a:p>
+            <a:r>
+              <a:rPr lang="en-US" dirty="0">
+                <a:sym typeface="Wingdings" pitchFamily="2" charset="2"/>
+              </a:rPr>
+              <a:t>2 moderate poverty</a:t>
+            </a:r>
+          </a:p>
+          <a:p>
+            <a:r>
+              <a:rPr lang="en-US" dirty="0">
+                <a:sym typeface="Wingdings" pitchFamily="2" charset="2"/>
+              </a:rPr>
+              <a:t>3 vulnerable poverty</a:t>
+            </a:r>
+          </a:p>
+          <a:p>
+            <a:r>
+              <a:rPr lang="en-US" dirty="0">
+                <a:sym typeface="Wingdings" pitchFamily="2" charset="2"/>
+              </a:rPr>
+              <a:t>4 non-vulnerable poverty</a:t>
+            </a:r>
+          </a:p>
+          <a:p>
+            <a:endParaRPr lang="en-US" dirty="0"/>
+          </a:p>
+        </p:txBody>
+      </p:sp>
     </p:spTree>
     <p:extLst>
       <p:ext uri="{BB962C8B-B14F-4D97-AF65-F5344CB8AC3E}">
-        <p14:creationId xmlns:p14="http://schemas.microsoft.com/office/powerpoint/2010/main" val="1145078724"/>
+        <p14:creationId xmlns:p14="http://schemas.microsoft.com/office/powerpoint/2010/main" val="889538486"/>
       </p:ext>
     </p:extLst>
   </p:cSld>
@@ -13384,10 +15386,10 @@
       </p:grpSpPr>
       <p:sp>
         <p:nvSpPr>
-          <p:cNvPr id="3" name="文字方塊 2">
+          <p:cNvPr id="5" name="文字方塊 4">
             <a:extLst>
               <a:ext uri="{FF2B5EF4-FFF2-40B4-BE49-F238E27FC236}">
-                <a16:creationId xmlns:a16="http://schemas.microsoft.com/office/drawing/2014/main" id="{66A2007A-6B8B-42CE-B4A0-EE212B5E4C32}"/>
+                <a16:creationId xmlns:a16="http://schemas.microsoft.com/office/drawing/2014/main" id="{FD213EEC-5973-4B66-910F-949B3065FEC8}"/>
               </a:ext>
             </a:extLst>
           </p:cNvPr>
@@ -13396,8 +15398,8 @@
         </p:nvSpPr>
         <p:spPr>
           <a:xfrm>
-            <a:off x="488211" y="392766"/>
-            <a:ext cx="2261384" cy="646331"/>
+            <a:off x="488210" y="392766"/>
+            <a:ext cx="3101295" cy="646331"/>
           </a:xfrm>
           <a:prstGeom prst="rect">
             <a:avLst/>
@@ -13412,20 +15414,23 @@
           <a:p>
             <a:r>
               <a:rPr lang="en-US" altLang="zh-TW" sz="3600" dirty="0">
+                <a:solidFill>
+                  <a:schemeClr val="accent1"/>
+                </a:solidFill>
                 <a:latin typeface="Times New Roman" panose="02020603050405020304" pitchFamily="18" charset="0"/>
                 <a:cs typeface="Times New Roman" panose="02020603050405020304" pitchFamily="18" charset="0"/>
               </a:rPr>
-              <a:t>Education</a:t>
-            </a:r>
-          </a:p>
-        </p:txBody>
-      </p:sp>
-      <p:sp>
-        <p:nvSpPr>
-          <p:cNvPr id="4" name="投影片編號版面配置區 3">
+              <a:t>Overcrowding</a:t>
+            </a:r>
+          </a:p>
+        </p:txBody>
+      </p:sp>
+      <p:sp>
+        <p:nvSpPr>
+          <p:cNvPr id="6" name="投影片編號版面配置區 5">
             <a:extLst>
               <a:ext uri="{FF2B5EF4-FFF2-40B4-BE49-F238E27FC236}">
-                <a16:creationId xmlns:a16="http://schemas.microsoft.com/office/drawing/2014/main" id="{F692971B-E2E7-4ABF-A0AE-6A0C8EE1DCC9}"/>
+                <a16:creationId xmlns:a16="http://schemas.microsoft.com/office/drawing/2014/main" id="{9B748110-F0A5-45FD-AF41-F5145614443E}"/>
               </a:ext>
             </a:extLst>
           </p:cNvPr>
@@ -13451,10 +15456,10 @@
       </p:sp>
       <p:pic>
         <p:nvPicPr>
-          <p:cNvPr id="5" name="圖片 4">
+          <p:cNvPr id="3" name="Picture 2">
             <a:extLst>
               <a:ext uri="{FF2B5EF4-FFF2-40B4-BE49-F238E27FC236}">
-                <a16:creationId xmlns:a16="http://schemas.microsoft.com/office/drawing/2014/main" id="{79C20904-F72E-4D5C-93FD-E7DE137131A5}"/>
+                <a16:creationId xmlns:a16="http://schemas.microsoft.com/office/drawing/2014/main" id="{F9FCDB39-BC04-3644-80A0-B3E2CB48B9B7}"/>
               </a:ext>
             </a:extLst>
           </p:cNvPr>
@@ -13464,25 +15469,105 @@
           <p:nvPr/>
         </p:nvPicPr>
         <p:blipFill>
-          <a:blip r:embed="rId2"/>
+          <a:blip r:embed="rId2">
+            <a:extLst>
+              <a:ext uri="{28A0092B-C50C-407E-A947-70E740481C1C}">
+                <a14:useLocalDpi xmlns:a14="http://schemas.microsoft.com/office/drawing/2010/main" val="0"/>
+              </a:ext>
+            </a:extLst>
+          </a:blip>
           <a:stretch>
             <a:fillRect/>
           </a:stretch>
         </p:blipFill>
         <p:spPr>
           <a:xfrm>
-            <a:off x="488211" y="1206485"/>
-            <a:ext cx="9747205" cy="3549213"/>
+            <a:off x="3920197" y="1011246"/>
+            <a:ext cx="7896665" cy="5527666"/>
           </a:xfrm>
           <a:prstGeom prst="rect">
             <a:avLst/>
           </a:prstGeom>
         </p:spPr>
       </p:pic>
+      <p:sp>
+        <p:nvSpPr>
+          <p:cNvPr id="7" name="TextBox 6">
+            <a:extLst>
+              <a:ext uri="{FF2B5EF4-FFF2-40B4-BE49-F238E27FC236}">
+                <a16:creationId xmlns:a16="http://schemas.microsoft.com/office/drawing/2014/main" id="{804DDD16-8BBD-ED47-B871-9785E434F4EF}"/>
+              </a:ext>
+            </a:extLst>
+          </p:cNvPr>
+          <p:cNvSpPr txBox="1"/>
+          <p:nvPr/>
+        </p:nvSpPr>
+        <p:spPr>
+          <a:xfrm>
+            <a:off x="958037" y="2686930"/>
+            <a:ext cx="2161640" cy="1754326"/>
+          </a:xfrm>
+          <a:prstGeom prst="rect">
+            <a:avLst/>
+          </a:prstGeom>
+          <a:noFill/>
+        </p:spPr>
+        <p:txBody>
+          <a:bodyPr wrap="square" rtlCol="0">
+            <a:spAutoFit/>
+          </a:bodyPr>
+          <a:lstStyle/>
+          <a:p>
+            <a:r>
+              <a:rPr lang="en-US" dirty="0"/>
+              <a:t>Poverty Level:</a:t>
+            </a:r>
+          </a:p>
+          <a:p>
+            <a:r>
+              <a:rPr lang="en-US" dirty="0"/>
+              <a:t>1</a:t>
+            </a:r>
+            <a:r>
+              <a:rPr lang="en-US" dirty="0">
+                <a:sym typeface="Wingdings" pitchFamily="2" charset="2"/>
+              </a:rPr>
+              <a:t> extreme</a:t>
+            </a:r>
+          </a:p>
+          <a:p>
+            <a:r>
+              <a:rPr lang="en-US" dirty="0">
+                <a:sym typeface="Wingdings" pitchFamily="2" charset="2"/>
+              </a:rPr>
+              <a:t>2 moderate</a:t>
+            </a:r>
+          </a:p>
+          <a:p>
+            <a:r>
+              <a:rPr lang="en-US" dirty="0">
+                <a:sym typeface="Wingdings" pitchFamily="2" charset="2"/>
+              </a:rPr>
+              <a:t>3 vulnerable</a:t>
+            </a:r>
+          </a:p>
+          <a:p>
+            <a:r>
+              <a:rPr lang="en-US" dirty="0">
+                <a:sym typeface="Wingdings" pitchFamily="2" charset="2"/>
+              </a:rPr>
+              <a:t>4 non-vulnerable</a:t>
+            </a:r>
+          </a:p>
+          <a:p>
+            <a:endParaRPr lang="en-US" dirty="0"/>
+          </a:p>
+        </p:txBody>
+      </p:sp>
     </p:spTree>
     <p:extLst>
       <p:ext uri="{BB962C8B-B14F-4D97-AF65-F5344CB8AC3E}">
-        <p14:creationId xmlns:p14="http://schemas.microsoft.com/office/powerpoint/2010/main" val="889538486"/>
+        <p14:creationId xmlns:p14="http://schemas.microsoft.com/office/powerpoint/2010/main" val="1952998118"/>
       </p:ext>
     </p:extLst>
   </p:cSld>
@@ -13511,39 +15596,10 @@
       </p:grpSpPr>
       <p:sp>
         <p:nvSpPr>
-          <p:cNvPr id="2" name="投影片編號版面配置區 1">
+          <p:cNvPr id="5" name="文字方塊 4">
             <a:extLst>
               <a:ext uri="{FF2B5EF4-FFF2-40B4-BE49-F238E27FC236}">
-                <a16:creationId xmlns:a16="http://schemas.microsoft.com/office/drawing/2014/main" id="{FB3729FD-68E0-43C2-85B7-8A969AE4C3E6}"/>
-              </a:ext>
-            </a:extLst>
-          </p:cNvPr>
-          <p:cNvSpPr>
-            <a:spLocks noGrp="1"/>
-          </p:cNvSpPr>
-          <p:nvPr>
-            <p:ph type="sldNum" sz="quarter" idx="12"/>
-          </p:nvPr>
-        </p:nvSpPr>
-        <p:spPr/>
-        <p:txBody>
-          <a:bodyPr/>
-          <a:lstStyle/>
-          <a:p>
-            <a:fld id="{12557DE7-69BF-4263-AE6B-A95654E50E8C}" type="slidenum">
-              <a:rPr lang="zh-TW" altLang="en-US" smtClean="0"/>
-              <a:t>8</a:t>
-            </a:fld>
-            <a:endParaRPr lang="zh-TW" altLang="en-US"/>
-          </a:p>
-        </p:txBody>
-      </p:sp>
-      <p:sp>
-        <p:nvSpPr>
-          <p:cNvPr id="3" name="文字方塊 2">
-            <a:extLst>
-              <a:ext uri="{FF2B5EF4-FFF2-40B4-BE49-F238E27FC236}">
-                <a16:creationId xmlns:a16="http://schemas.microsoft.com/office/drawing/2014/main" id="{E1D2DA87-6B82-415D-83BB-A801CF2A2440}"/>
+                <a16:creationId xmlns:a16="http://schemas.microsoft.com/office/drawing/2014/main" id="{FD213EEC-5973-4B66-910F-949B3065FEC8}"/>
               </a:ext>
             </a:extLst>
           </p:cNvPr>
@@ -13552,8 +15608,8 @@
         </p:nvSpPr>
         <p:spPr>
           <a:xfrm>
-            <a:off x="488211" y="392766"/>
-            <a:ext cx="2261384" cy="646331"/>
+            <a:off x="488210" y="392766"/>
+            <a:ext cx="8286139" cy="646331"/>
           </a:xfrm>
           <a:prstGeom prst="rect">
             <a:avLst/>
@@ -13568,20 +15624,91 @@
           <a:p>
             <a:r>
               <a:rPr lang="en-US" altLang="zh-TW" sz="3600" dirty="0">
+                <a:solidFill>
+                  <a:schemeClr val="accent1"/>
+                </a:solidFill>
                 <a:latin typeface="Times New Roman" panose="02020603050405020304" pitchFamily="18" charset="0"/>
                 <a:cs typeface="Times New Roman" panose="02020603050405020304" pitchFamily="18" charset="0"/>
               </a:rPr>
-              <a:t>Education</a:t>
+              <a:t>Income inequality continues to Grow</a:t>
+            </a:r>
+          </a:p>
+        </p:txBody>
+      </p:sp>
+      <p:sp>
+        <p:nvSpPr>
+          <p:cNvPr id="6" name="投影片編號版面配置區 5">
+            <a:extLst>
+              <a:ext uri="{FF2B5EF4-FFF2-40B4-BE49-F238E27FC236}">
+                <a16:creationId xmlns:a16="http://schemas.microsoft.com/office/drawing/2014/main" id="{9B748110-F0A5-45FD-AF41-F5145614443E}"/>
+              </a:ext>
+            </a:extLst>
+          </p:cNvPr>
+          <p:cNvSpPr>
+            <a:spLocks noGrp="1"/>
+          </p:cNvSpPr>
+          <p:nvPr>
+            <p:ph type="sldNum" sz="quarter" idx="12"/>
+          </p:nvPr>
+        </p:nvSpPr>
+        <p:spPr/>
+        <p:txBody>
+          <a:bodyPr/>
+          <a:lstStyle/>
+          <a:p>
+            <a:fld id="{12557DE7-69BF-4263-AE6B-A95654E50E8C}" type="slidenum">
+              <a:rPr lang="zh-TW" altLang="en-US" smtClean="0"/>
+              <a:t>8</a:t>
+            </a:fld>
+            <a:endParaRPr lang="zh-TW" altLang="en-US"/>
+          </a:p>
+        </p:txBody>
+      </p:sp>
+      <p:sp>
+        <p:nvSpPr>
+          <p:cNvPr id="2" name="TextBox 1">
+            <a:extLst>
+              <a:ext uri="{FF2B5EF4-FFF2-40B4-BE49-F238E27FC236}">
+                <a16:creationId xmlns:a16="http://schemas.microsoft.com/office/drawing/2014/main" id="{4F987948-6B77-5F41-A3E5-670FCE9BEED8}"/>
+              </a:ext>
+            </a:extLst>
+          </p:cNvPr>
+          <p:cNvSpPr txBox="1"/>
+          <p:nvPr/>
+        </p:nvSpPr>
+        <p:spPr>
+          <a:xfrm>
+            <a:off x="8617527" y="961330"/>
+            <a:ext cx="3153940" cy="369332"/>
+          </a:xfrm>
+          <a:prstGeom prst="rect">
+            <a:avLst/>
+          </a:prstGeom>
+          <a:noFill/>
+        </p:spPr>
+        <p:txBody>
+          <a:bodyPr wrap="none" rtlCol="0">
+            <a:spAutoFit/>
+          </a:bodyPr>
+          <a:lstStyle/>
+          <a:p>
+            <a:r>
+              <a:rPr lang="en-US" dirty="0">
+                <a:solidFill>
+                  <a:schemeClr val="accent1"/>
+                </a:solidFill>
+              </a:rPr>
+              <a:t>Inflation Rate ~ 5% Year on Year</a:t>
             </a:r>
           </a:p>
         </p:txBody>
       </p:sp>
       <p:pic>
         <p:nvPicPr>
-          <p:cNvPr id="4" name="圖片 3">
+          <p:cNvPr id="4" name="Picture 3" descr="A close up of a map&#13;&#10;&#13;&#10;Description automatically generated">
             <a:extLst>
               <a:ext uri="{FF2B5EF4-FFF2-40B4-BE49-F238E27FC236}">
-                <a16:creationId xmlns:a16="http://schemas.microsoft.com/office/drawing/2014/main" id="{55EA7118-F57D-4D91-8AB2-56D6FFFD3817}"/>
+                <a16:creationId xmlns:a16="http://schemas.microsoft.com/office/drawing/2014/main" id="{BC7EC501-AA56-AB47-AA97-CA01AAEDAF6D}"/>
               </a:ext>
             </a:extLst>
           </p:cNvPr>
@@ -13591,15 +15718,21 @@
           <p:nvPr/>
         </p:nvPicPr>
         <p:blipFill>
-          <a:blip r:embed="rId2"/>
+          <a:blip r:embed="rId2">
+            <a:extLst>
+              <a:ext uri="{28A0092B-C50C-407E-A947-70E740481C1C}">
+                <a14:useLocalDpi xmlns:a14="http://schemas.microsoft.com/office/drawing/2010/main" val="0"/>
+              </a:ext>
+            </a:extLst>
+          </a:blip>
           <a:stretch>
             <a:fillRect/>
           </a:stretch>
         </p:blipFill>
         <p:spPr>
           <a:xfrm>
-            <a:off x="792162" y="1341437"/>
-            <a:ext cx="4105275" cy="4581525"/>
+            <a:off x="1930683" y="1252895"/>
+            <a:ext cx="7812258" cy="5468580"/>
           </a:xfrm>
           <a:prstGeom prst="rect">
             <a:avLst/>
@@ -13609,7 +15742,7 @@
     </p:spTree>
     <p:extLst>
       <p:ext uri="{BB962C8B-B14F-4D97-AF65-F5344CB8AC3E}">
-        <p14:creationId xmlns:p14="http://schemas.microsoft.com/office/powerpoint/2010/main" val="2049607714"/>
+        <p14:creationId xmlns:p14="http://schemas.microsoft.com/office/powerpoint/2010/main" val="2226008426"/>
       </p:ext>
     </p:extLst>
   </p:cSld>
@@ -13638,10 +15771,10 @@
       </p:grpSpPr>
       <p:sp>
         <p:nvSpPr>
-          <p:cNvPr id="3" name="文字方塊 2">
+          <p:cNvPr id="5" name="文字方塊 4">
             <a:extLst>
               <a:ext uri="{FF2B5EF4-FFF2-40B4-BE49-F238E27FC236}">
-                <a16:creationId xmlns:a16="http://schemas.microsoft.com/office/drawing/2014/main" id="{B262D88C-58EE-4DB5-842A-F0093567B95D}"/>
+                <a16:creationId xmlns:a16="http://schemas.microsoft.com/office/drawing/2014/main" id="{FD213EEC-5973-4B66-910F-949B3065FEC8}"/>
               </a:ext>
             </a:extLst>
           </p:cNvPr>
@@ -13651,7 +15784,7 @@
         <p:spPr>
           <a:xfrm>
             <a:off x="488210" y="392766"/>
-            <a:ext cx="2564955" cy="646331"/>
+            <a:ext cx="10183507" cy="646331"/>
           </a:xfrm>
           <a:prstGeom prst="rect">
             <a:avLst/>
@@ -13666,20 +15799,23 @@
           <a:p>
             <a:r>
               <a:rPr lang="en-US" altLang="zh-TW" sz="3600" dirty="0">
+                <a:solidFill>
+                  <a:schemeClr val="accent1"/>
+                </a:solidFill>
                 <a:latin typeface="Times New Roman" panose="02020603050405020304" pitchFamily="18" charset="0"/>
                 <a:cs typeface="Times New Roman" panose="02020603050405020304" pitchFamily="18" charset="0"/>
               </a:rPr>
-              <a:t>Conclusion</a:t>
-            </a:r>
-          </a:p>
-        </p:txBody>
-      </p:sp>
-      <p:sp>
-        <p:nvSpPr>
-          <p:cNvPr id="4" name="投影片編號版面配置區 3">
+              <a:t>Different Regions and Provinces of Costa Rica:</a:t>
+            </a:r>
+          </a:p>
+        </p:txBody>
+      </p:sp>
+      <p:sp>
+        <p:nvSpPr>
+          <p:cNvPr id="6" name="投影片編號版面配置區 5">
             <a:extLst>
               <a:ext uri="{FF2B5EF4-FFF2-40B4-BE49-F238E27FC236}">
-                <a16:creationId xmlns:a16="http://schemas.microsoft.com/office/drawing/2014/main" id="{E73958CB-72F7-4968-962D-9B3A56F39C5A}"/>
+                <a16:creationId xmlns:a16="http://schemas.microsoft.com/office/drawing/2014/main" id="{9B748110-F0A5-45FD-AF41-F5145614443E}"/>
               </a:ext>
             </a:extLst>
           </p:cNvPr>
@@ -13703,10 +15839,87 @@
           </a:p>
         </p:txBody>
       </p:sp>
+      <p:pic>
+        <p:nvPicPr>
+          <p:cNvPr id="7" name="圖片 4">
+            <a:extLst>
+              <a:ext uri="{FF2B5EF4-FFF2-40B4-BE49-F238E27FC236}">
+                <a16:creationId xmlns:a16="http://schemas.microsoft.com/office/drawing/2014/main" id="{6C732318-CAF5-5243-BCA1-5D2CB2CE0B70}"/>
+              </a:ext>
+            </a:extLst>
+          </p:cNvPr>
+          <p:cNvPicPr>
+            <a:picLocks noChangeAspect="1"/>
+          </p:cNvPicPr>
+          <p:nvPr/>
+        </p:nvPicPr>
+        <p:blipFill>
+          <a:blip r:embed="rId2"/>
+          <a:stretch>
+            <a:fillRect/>
+          </a:stretch>
+        </p:blipFill>
+        <p:spPr>
+          <a:xfrm>
+            <a:off x="6096000" y="1658075"/>
+            <a:ext cx="5507715" cy="3857120"/>
+          </a:xfrm>
+          <a:prstGeom prst="rect">
+            <a:avLst/>
+          </a:prstGeom>
+        </p:spPr>
+      </p:pic>
+      <p:pic>
+        <p:nvPicPr>
+          <p:cNvPr id="8" name="Picture 2" descr="Image result for costa rica map">
+            <a:extLst>
+              <a:ext uri="{FF2B5EF4-FFF2-40B4-BE49-F238E27FC236}">
+                <a16:creationId xmlns:a16="http://schemas.microsoft.com/office/drawing/2014/main" id="{5A24E270-7DE2-0E46-955F-9C1A224025E6}"/>
+              </a:ext>
+            </a:extLst>
+          </p:cNvPr>
+          <p:cNvPicPr>
+            <a:picLocks noChangeAspect="1" noChangeArrowheads="1"/>
+          </p:cNvPicPr>
+          <p:nvPr/>
+        </p:nvPicPr>
+        <p:blipFill>
+          <a:blip r:embed="rId3">
+            <a:extLst>
+              <a:ext uri="{28A0092B-C50C-407E-A947-70E740481C1C}">
+                <a14:useLocalDpi xmlns:a14="http://schemas.microsoft.com/office/drawing/2010/main" val="0"/>
+              </a:ext>
+            </a:extLst>
+          </a:blip>
+          <a:srcRect/>
+          <a:stretch>
+            <a:fillRect/>
+          </a:stretch>
+        </p:blipFill>
+        <p:spPr bwMode="auto">
+          <a:xfrm>
+            <a:off x="992711" y="1442663"/>
+            <a:ext cx="4515005" cy="4515005"/>
+          </a:xfrm>
+          <a:prstGeom prst="rect">
+            <a:avLst/>
+          </a:prstGeom>
+          <a:noFill/>
+          <a:extLst>
+            <a:ext uri="{909E8E84-426E-40DD-AFC4-6F175D3DCCD1}">
+              <a14:hiddenFill xmlns:a14="http://schemas.microsoft.com/office/drawing/2010/main">
+                <a:solidFill>
+                  <a:srgbClr val="FFFFFF"/>
+                </a:solidFill>
+              </a14:hiddenFill>
+            </a:ext>
+          </a:extLst>
+        </p:spPr>
+      </p:pic>
     </p:spTree>
     <p:extLst>
       <p:ext uri="{BB962C8B-B14F-4D97-AF65-F5344CB8AC3E}">
-        <p14:creationId xmlns:p14="http://schemas.microsoft.com/office/powerpoint/2010/main" val="1723188955"/>
+        <p14:creationId xmlns:p14="http://schemas.microsoft.com/office/powerpoint/2010/main" val="4181432317"/>
       </p:ext>
     </p:extLst>
   </p:cSld>
